--- a/Seismic Drones/CASE-2016/pictures/exp11_compare.pptx
+++ b/Seismic Drones/CASE-2016/pictures/exp11_compare.pptx
@@ -104,6 +104,11 @@
       </a:defRPr>
     </a:lvl9pPr>
   </p:defaultTextStyle>
+  <p:extLst>
+    <p:ext uri="{EFAFB233-063F-42B5-8137-9DF3F51BA10A}">
+      <p15:sldGuideLst xmlns:p15="http://schemas.microsoft.com/office/powerpoint/2012/main"/>
+    </p:ext>
+  </p:extLst>
 </p:presentation>
 </file>
 
@@ -238,7 +243,7 @@
           <a:p>
             <a:fld id="{00FF1D58-35E3-4346-8D3D-905652C77592}" type="datetimeFigureOut">
               <a:rPr lang="en-US" smtClean="0"/>
-              <a:t>3/5/2016</a:t>
+              <a:t>3/8/2016</a:t>
             </a:fld>
             <a:endParaRPr lang="en-US"/>
           </a:p>
@@ -408,7 +413,7 @@
           <a:p>
             <a:fld id="{00FF1D58-35E3-4346-8D3D-905652C77592}" type="datetimeFigureOut">
               <a:rPr lang="en-US" smtClean="0"/>
-              <a:t>3/5/2016</a:t>
+              <a:t>3/8/2016</a:t>
             </a:fld>
             <a:endParaRPr lang="en-US"/>
           </a:p>
@@ -588,7 +593,7 @@
           <a:p>
             <a:fld id="{00FF1D58-35E3-4346-8D3D-905652C77592}" type="datetimeFigureOut">
               <a:rPr lang="en-US" smtClean="0"/>
-              <a:t>3/5/2016</a:t>
+              <a:t>3/8/2016</a:t>
             </a:fld>
             <a:endParaRPr lang="en-US"/>
           </a:p>
@@ -758,7 +763,7 @@
           <a:p>
             <a:fld id="{00FF1D58-35E3-4346-8D3D-905652C77592}" type="datetimeFigureOut">
               <a:rPr lang="en-US" smtClean="0"/>
-              <a:t>3/5/2016</a:t>
+              <a:t>3/8/2016</a:t>
             </a:fld>
             <a:endParaRPr lang="en-US"/>
           </a:p>
@@ -1002,7 +1007,7 @@
           <a:p>
             <a:fld id="{00FF1D58-35E3-4346-8D3D-905652C77592}" type="datetimeFigureOut">
               <a:rPr lang="en-US" smtClean="0"/>
-              <a:t>3/5/2016</a:t>
+              <a:t>3/8/2016</a:t>
             </a:fld>
             <a:endParaRPr lang="en-US"/>
           </a:p>
@@ -1234,7 +1239,7 @@
           <a:p>
             <a:fld id="{00FF1D58-35E3-4346-8D3D-905652C77592}" type="datetimeFigureOut">
               <a:rPr lang="en-US" smtClean="0"/>
-              <a:t>3/5/2016</a:t>
+              <a:t>3/8/2016</a:t>
             </a:fld>
             <a:endParaRPr lang="en-US"/>
           </a:p>
@@ -1601,7 +1606,7 @@
           <a:p>
             <a:fld id="{00FF1D58-35E3-4346-8D3D-905652C77592}" type="datetimeFigureOut">
               <a:rPr lang="en-US" smtClean="0"/>
-              <a:t>3/5/2016</a:t>
+              <a:t>3/8/2016</a:t>
             </a:fld>
             <a:endParaRPr lang="en-US"/>
           </a:p>
@@ -1719,7 +1724,7 @@
           <a:p>
             <a:fld id="{00FF1D58-35E3-4346-8D3D-905652C77592}" type="datetimeFigureOut">
               <a:rPr lang="en-US" smtClean="0"/>
-              <a:t>3/5/2016</a:t>
+              <a:t>3/8/2016</a:t>
             </a:fld>
             <a:endParaRPr lang="en-US"/>
           </a:p>
@@ -1814,7 +1819,7 @@
           <a:p>
             <a:fld id="{00FF1D58-35E3-4346-8D3D-905652C77592}" type="datetimeFigureOut">
               <a:rPr lang="en-US" smtClean="0"/>
-              <a:t>3/5/2016</a:t>
+              <a:t>3/8/2016</a:t>
             </a:fld>
             <a:endParaRPr lang="en-US"/>
           </a:p>
@@ -2091,7 +2096,7 @@
           <a:p>
             <a:fld id="{00FF1D58-35E3-4346-8D3D-905652C77592}" type="datetimeFigureOut">
               <a:rPr lang="en-US" smtClean="0"/>
-              <a:t>3/5/2016</a:t>
+              <a:t>3/8/2016</a:t>
             </a:fld>
             <a:endParaRPr lang="en-US"/>
           </a:p>
@@ -2348,7 +2353,7 @@
           <a:p>
             <a:fld id="{00FF1D58-35E3-4346-8D3D-905652C77592}" type="datetimeFigureOut">
               <a:rPr lang="en-US" smtClean="0"/>
-              <a:t>3/5/2016</a:t>
+              <a:t>3/8/2016</a:t>
             </a:fld>
             <a:endParaRPr lang="en-US"/>
           </a:p>
@@ -2561,7 +2566,7 @@
           <a:p>
             <a:fld id="{00FF1D58-35E3-4346-8D3D-905652C77592}" type="datetimeFigureOut">
               <a:rPr lang="en-US" smtClean="0"/>
-              <a:t>3/5/2016</a:t>
+              <a:t>3/8/2016</a:t>
             </a:fld>
             <a:endParaRPr lang="en-US"/>
           </a:p>
@@ -2966,39 +2971,413 @@
           <a:chExt cx="0" cy="0"/>
         </a:xfrm>
       </p:grpSpPr>
+      <p:sp>
+        <p:nvSpPr>
+          <p:cNvPr id="17" name="Isosceles Triangle 16"/>
+          <p:cNvSpPr/>
+          <p:nvPr/>
+        </p:nvSpPr>
+        <p:spPr>
+          <a:xfrm>
+            <a:off x="7770193" y="1759920"/>
+            <a:ext cx="259080" cy="259080"/>
+          </a:xfrm>
+          <a:prstGeom prst="triangle">
+            <a:avLst/>
+          </a:prstGeom>
+          <a:solidFill>
+            <a:srgbClr val="00B050"/>
+          </a:solidFill>
+          <a:ln>
+            <a:noFill/>
+          </a:ln>
+        </p:spPr>
+        <p:style>
+          <a:lnRef idx="2">
+            <a:schemeClr val="accent1">
+              <a:shade val="50000"/>
+            </a:schemeClr>
+          </a:lnRef>
+          <a:fillRef idx="1">
+            <a:schemeClr val="accent1"/>
+          </a:fillRef>
+          <a:effectRef idx="0">
+            <a:schemeClr val="accent1"/>
+          </a:effectRef>
+          <a:fontRef idx="minor">
+            <a:schemeClr val="lt1"/>
+          </a:fontRef>
+        </p:style>
+        <p:txBody>
+          <a:bodyPr rtlCol="0" anchor="ctr"/>
+          <a:lstStyle/>
+          <a:p>
+            <a:pPr algn="ctr"/>
+            <a:endParaRPr lang="en-US" sz="2040"/>
+          </a:p>
+        </p:txBody>
+      </p:sp>
+      <p:sp>
+        <p:nvSpPr>
+          <p:cNvPr id="18" name="Cross 17"/>
+          <p:cNvSpPr/>
+          <p:nvPr/>
+        </p:nvSpPr>
+        <p:spPr>
+          <a:xfrm>
+            <a:off x="7838921" y="2191721"/>
+            <a:ext cx="259080" cy="241728"/>
+          </a:xfrm>
+          <a:prstGeom prst="plus">
+            <a:avLst/>
+          </a:prstGeom>
+          <a:solidFill>
+            <a:srgbClr val="FFFF00"/>
+          </a:solidFill>
+          <a:ln>
+            <a:noFill/>
+          </a:ln>
+        </p:spPr>
+        <p:style>
+          <a:lnRef idx="2">
+            <a:schemeClr val="accent1">
+              <a:shade val="50000"/>
+            </a:schemeClr>
+          </a:lnRef>
+          <a:fillRef idx="1">
+            <a:schemeClr val="accent1"/>
+          </a:fillRef>
+          <a:effectRef idx="0">
+            <a:schemeClr val="accent1"/>
+          </a:effectRef>
+          <a:fontRef idx="minor">
+            <a:schemeClr val="lt1"/>
+          </a:fontRef>
+        </p:style>
+        <p:txBody>
+          <a:bodyPr rtlCol="0" anchor="ctr"/>
+          <a:lstStyle/>
+          <a:p>
+            <a:pPr algn="ctr"/>
+            <a:endParaRPr lang="en-US" sz="2040"/>
+          </a:p>
+        </p:txBody>
+      </p:sp>
+      <p:sp>
+        <p:nvSpPr>
+          <p:cNvPr id="22" name="TextBox 21"/>
+          <p:cNvSpPr txBox="1"/>
+          <p:nvPr/>
+        </p:nvSpPr>
+        <p:spPr>
+          <a:xfrm>
+            <a:off x="223405" y="7818358"/>
+            <a:ext cx="1320426" cy="406265"/>
+          </a:xfrm>
+          <a:prstGeom prst="rect">
+            <a:avLst/>
+          </a:prstGeom>
+          <a:noFill/>
+        </p:spPr>
+        <p:txBody>
+          <a:bodyPr wrap="none" rtlCol="0">
+            <a:spAutoFit/>
+          </a:bodyPr>
+          <a:lstStyle/>
+          <a:p>
+            <a:r>
+              <a:rPr lang="en-US" sz="2040" dirty="0"/>
+              <a:t>Well plant </a:t>
+            </a:r>
+          </a:p>
+        </p:txBody>
+      </p:sp>
+      <p:sp>
+        <p:nvSpPr>
+          <p:cNvPr id="23" name="TextBox 22"/>
+          <p:cNvSpPr txBox="1"/>
+          <p:nvPr/>
+        </p:nvSpPr>
+        <p:spPr>
+          <a:xfrm>
+            <a:off x="6826660" y="7812046"/>
+            <a:ext cx="2084930" cy="406265"/>
+          </a:xfrm>
+          <a:prstGeom prst="rect">
+            <a:avLst/>
+          </a:prstGeom>
+          <a:noFill/>
+        </p:spPr>
+        <p:txBody>
+          <a:bodyPr wrap="none" rtlCol="0">
+            <a:spAutoFit/>
+          </a:bodyPr>
+          <a:lstStyle/>
+          <a:p>
+            <a:r>
+              <a:rPr lang="en-US" sz="2040" dirty="0"/>
+              <a:t>Satisfactory plant </a:t>
+            </a:r>
+          </a:p>
+        </p:txBody>
+      </p:sp>
+      <p:sp>
+        <p:nvSpPr>
+          <p:cNvPr id="24" name="TextBox 23"/>
+          <p:cNvSpPr txBox="1"/>
+          <p:nvPr/>
+        </p:nvSpPr>
+        <p:spPr>
+          <a:xfrm>
+            <a:off x="1588987" y="7818358"/>
+            <a:ext cx="2066912" cy="406265"/>
+          </a:xfrm>
+          <a:prstGeom prst="rect">
+            <a:avLst/>
+          </a:prstGeom>
+          <a:noFill/>
+        </p:spPr>
+        <p:txBody>
+          <a:bodyPr wrap="none" rtlCol="0">
+            <a:spAutoFit/>
+          </a:bodyPr>
+          <a:lstStyle/>
+          <a:p>
+            <a:r>
+              <a:rPr lang="en-US" sz="2040" dirty="0"/>
+              <a:t>Wooden platform</a:t>
+            </a:r>
+          </a:p>
+        </p:txBody>
+      </p:sp>
+      <p:sp>
+        <p:nvSpPr>
+          <p:cNvPr id="25" name="TextBox 24"/>
+          <p:cNvSpPr txBox="1"/>
+          <p:nvPr/>
+        </p:nvSpPr>
+        <p:spPr>
+          <a:xfrm>
+            <a:off x="3756943" y="7814045"/>
+            <a:ext cx="1896938" cy="406265"/>
+          </a:xfrm>
+          <a:prstGeom prst="rect">
+            <a:avLst/>
+          </a:prstGeom>
+          <a:noFill/>
+        </p:spPr>
+        <p:txBody>
+          <a:bodyPr wrap="square" rtlCol="0">
+            <a:spAutoFit/>
+          </a:bodyPr>
+          <a:lstStyle/>
+          <a:p>
+            <a:r>
+              <a:rPr lang="en-US" sz="2040" dirty="0"/>
+              <a:t> Round platform</a:t>
+            </a:r>
+          </a:p>
+        </p:txBody>
+      </p:sp>
+      <p:sp>
+        <p:nvSpPr>
+          <p:cNvPr id="26" name="TextBox 25"/>
+          <p:cNvSpPr txBox="1"/>
+          <p:nvPr/>
+        </p:nvSpPr>
+        <p:spPr>
+          <a:xfrm>
+            <a:off x="5745768" y="7801303"/>
+            <a:ext cx="896977" cy="406265"/>
+          </a:xfrm>
+          <a:prstGeom prst="rect">
+            <a:avLst/>
+          </a:prstGeom>
+          <a:noFill/>
+        </p:spPr>
+        <p:txBody>
+          <a:bodyPr wrap="none" rtlCol="0">
+            <a:spAutoFit/>
+          </a:bodyPr>
+          <a:lstStyle/>
+          <a:p>
+            <a:r>
+              <a:rPr lang="en-US" sz="2040" dirty="0"/>
+              <a:t> Drone</a:t>
+            </a:r>
+          </a:p>
+        </p:txBody>
+      </p:sp>
       <p:grpSp>
         <p:nvGrpSpPr>
-          <p:cNvPr id="36" name="Group 35"/>
+          <p:cNvPr id="14" name="Group 13"/>
           <p:cNvGrpSpPr/>
           <p:nvPr/>
         </p:nvGrpSpPr>
         <p:grpSpPr>
           <a:xfrm>
-            <a:off x="136021" y="220382"/>
-            <a:ext cx="8628812" cy="8009218"/>
-            <a:chOff x="183693" y="234508"/>
-            <a:chExt cx="8628812" cy="8009218"/>
+            <a:off x="243902" y="220382"/>
+            <a:ext cx="8107680" cy="7381413"/>
+            <a:chOff x="188260" y="0"/>
+            <a:chExt cx="7153835" cy="6513011"/>
           </a:xfrm>
         </p:grpSpPr>
+        <p:pic>
+          <p:nvPicPr>
+            <p:cNvPr id="4" name="Picture 3"/>
+            <p:cNvPicPr>
+              <a:picLocks noChangeAspect="1"/>
+            </p:cNvPicPr>
+            <p:nvPr/>
+          </p:nvPicPr>
+          <p:blipFill rotWithShape="1">
+            <a:blip r:embed="rId2"/>
+            <a:srcRect l="3329" t="598" r="4104" b="724"/>
+            <a:stretch/>
+          </p:blipFill>
+          <p:spPr>
+            <a:xfrm rot="16200000">
+              <a:off x="2241176" y="-1887070"/>
+              <a:ext cx="3209366" cy="6983507"/>
+            </a:xfrm>
+            <a:prstGeom prst="rect">
+              <a:avLst/>
+            </a:prstGeom>
+          </p:spPr>
+        </p:pic>
+        <p:grpSp>
+          <p:nvGrpSpPr>
+            <p:cNvPr id="8" name="Group 7"/>
+            <p:cNvGrpSpPr/>
+            <p:nvPr/>
+          </p:nvGrpSpPr>
+          <p:grpSpPr>
+            <a:xfrm>
+              <a:off x="349622" y="3215531"/>
+              <a:ext cx="6992473" cy="2701174"/>
+              <a:chOff x="349622" y="3215531"/>
+              <a:chExt cx="6992473" cy="2701174"/>
+            </a:xfrm>
+          </p:grpSpPr>
+          <p:pic>
+            <p:nvPicPr>
+              <p:cNvPr id="5" name="Picture 4"/>
+              <p:cNvPicPr>
+                <a:picLocks noChangeAspect="1"/>
+              </p:cNvPicPr>
+              <p:nvPr/>
+            </p:nvPicPr>
+            <p:blipFill rotWithShape="1">
+              <a:blip r:embed="rId3"/>
+              <a:srcRect l="2941" t="471" r="2458" b="590"/>
+              <a:stretch/>
+            </p:blipFill>
+            <p:spPr>
+              <a:xfrm rot="16200000">
+                <a:off x="2967317" y="597836"/>
+                <a:ext cx="1757084" cy="6992473"/>
+              </a:xfrm>
+              <a:prstGeom prst="rect">
+                <a:avLst/>
+              </a:prstGeom>
+            </p:spPr>
+          </p:pic>
+          <p:pic>
+            <p:nvPicPr>
+              <p:cNvPr id="6" name="Picture 5"/>
+              <p:cNvPicPr>
+                <a:picLocks noChangeAspect="1"/>
+              </p:cNvPicPr>
+              <p:nvPr/>
+            </p:nvPicPr>
+            <p:blipFill rotWithShape="1">
+              <a:blip r:embed="rId4"/>
+              <a:srcRect l="7368" t="794"/>
+              <a:stretch/>
+            </p:blipFill>
+            <p:spPr>
+              <a:xfrm rot="16200000">
+                <a:off x="3293551" y="2028687"/>
+                <a:ext cx="944091" cy="6831946"/>
+              </a:xfrm>
+              <a:prstGeom prst="rect">
+                <a:avLst/>
+              </a:prstGeom>
+            </p:spPr>
+          </p:pic>
+          <p:sp>
+            <p:nvSpPr>
+              <p:cNvPr id="7" name="Rectangle 6"/>
+              <p:cNvSpPr/>
+              <p:nvPr/>
+            </p:nvSpPr>
+            <p:spPr>
+              <a:xfrm>
+                <a:off x="2447365" y="4879883"/>
+                <a:ext cx="510988" cy="376518"/>
+              </a:xfrm>
+              <a:prstGeom prst="rect">
+                <a:avLst/>
+              </a:prstGeom>
+              <a:solidFill>
+                <a:schemeClr val="bg1"/>
+              </a:solidFill>
+              <a:ln>
+                <a:solidFill>
+                  <a:schemeClr val="bg1"/>
+                </a:solidFill>
+              </a:ln>
+            </p:spPr>
+            <p:style>
+              <a:lnRef idx="2">
+                <a:schemeClr val="accent1">
+                  <a:shade val="50000"/>
+                </a:schemeClr>
+              </a:lnRef>
+              <a:fillRef idx="1">
+                <a:schemeClr val="accent1"/>
+              </a:fillRef>
+              <a:effectRef idx="0">
+                <a:schemeClr val="accent1"/>
+              </a:effectRef>
+              <a:fontRef idx="minor">
+                <a:schemeClr val="lt1"/>
+              </a:fontRef>
+            </p:style>
+            <p:txBody>
+              <a:bodyPr rot="0" spcFirstLastPara="0" vertOverflow="overflow" horzOverflow="overflow" vert="horz" wrap="square" lIns="103632" tIns="51816" rIns="103632" bIns="51816" numCol="1" spcCol="0" rtlCol="0" fromWordArt="0" anchor="ctr" anchorCtr="0" forceAA="0" compatLnSpc="1">
+                <a:prstTxWarp prst="textNoShape">
+                  <a:avLst/>
+                </a:prstTxWarp>
+                <a:noAutofit/>
+              </a:bodyPr>
+              <a:lstStyle/>
+              <a:p>
+                <a:pPr algn="ctr"/>
+                <a:endParaRPr lang="en-US" sz="2040"/>
+              </a:p>
+            </p:txBody>
+          </p:sp>
+        </p:grpSp>
         <p:sp>
           <p:nvSpPr>
-            <p:cNvPr id="17" name="Isosceles Triangle 16"/>
+            <p:cNvPr id="9" name="Rectangle 8"/>
             <p:cNvSpPr/>
             <p:nvPr/>
           </p:nvSpPr>
           <p:spPr>
             <a:xfrm>
-              <a:off x="7817865" y="1774046"/>
-              <a:ext cx="259080" cy="259080"/>
+              <a:off x="349622" y="0"/>
+              <a:ext cx="6987991" cy="5916706"/>
             </a:xfrm>
-            <a:prstGeom prst="triangle">
+            <a:prstGeom prst="rect">
               <a:avLst/>
             </a:prstGeom>
-            <a:solidFill>
-              <a:srgbClr val="00B050"/>
-            </a:solidFill>
+            <a:noFill/>
             <a:ln>
-              <a:noFill/>
+              <a:solidFill>
+                <a:schemeClr val="tx1"/>
+              </a:solidFill>
             </a:ln>
           </p:spPr>
           <p:style>
@@ -3018,7 +3397,12 @@
             </a:fontRef>
           </p:style>
           <p:txBody>
-            <a:bodyPr rtlCol="0" anchor="ctr"/>
+            <a:bodyPr rot="0" spcFirstLastPara="0" vertOverflow="overflow" horzOverflow="overflow" vert="horz" wrap="square" lIns="103632" tIns="51816" rIns="103632" bIns="51816" numCol="1" spcCol="0" rtlCol="0" fromWordArt="0" anchor="ctr" anchorCtr="0" forceAA="0" compatLnSpc="1">
+              <a:prstTxWarp prst="textNoShape">
+                <a:avLst/>
+              </a:prstTxWarp>
+              <a:noAutofit/>
+            </a:bodyPr>
             <a:lstStyle/>
             <a:p>
               <a:pPr algn="ctr"/>
@@ -3028,298 +3412,14 @@
         </p:sp>
         <p:sp>
           <p:nvSpPr>
-            <p:cNvPr id="18" name="Cross 17"/>
-            <p:cNvSpPr/>
-            <p:nvPr/>
-          </p:nvSpPr>
-          <p:spPr>
-            <a:xfrm>
-              <a:off x="7886593" y="2205847"/>
-              <a:ext cx="259080" cy="241728"/>
-            </a:xfrm>
-            <a:prstGeom prst="plus">
-              <a:avLst/>
-            </a:prstGeom>
-            <a:solidFill>
-              <a:srgbClr val="FFFF00"/>
-            </a:solidFill>
-            <a:ln>
-              <a:noFill/>
-            </a:ln>
-          </p:spPr>
-          <p:style>
-            <a:lnRef idx="2">
-              <a:schemeClr val="accent1">
-                <a:shade val="50000"/>
-              </a:schemeClr>
-            </a:lnRef>
-            <a:fillRef idx="1">
-              <a:schemeClr val="accent1"/>
-            </a:fillRef>
-            <a:effectRef idx="0">
-              <a:schemeClr val="accent1"/>
-            </a:effectRef>
-            <a:fontRef idx="minor">
-              <a:schemeClr val="lt1"/>
-            </a:fontRef>
-          </p:style>
-          <p:txBody>
-            <a:bodyPr rtlCol="0" anchor="ctr"/>
-            <a:lstStyle/>
-            <a:p>
-              <a:pPr algn="ctr"/>
-              <a:endParaRPr lang="en-US" sz="2040"/>
-            </a:p>
-          </p:txBody>
-        </p:sp>
-        <p:sp>
-          <p:nvSpPr>
-            <p:cNvPr id="19" name="Donut 18"/>
-            <p:cNvSpPr>
-              <a:spLocks noChangeAspect="1"/>
-            </p:cNvSpPr>
-            <p:nvPr/>
-          </p:nvSpPr>
-          <p:spPr>
-            <a:xfrm>
-              <a:off x="3667305" y="7911054"/>
-              <a:ext cx="259080" cy="259080"/>
-            </a:xfrm>
-            <a:prstGeom prst="donut">
-              <a:avLst/>
-            </a:prstGeom>
-            <a:solidFill>
-              <a:srgbClr val="7030A0"/>
-            </a:solidFill>
-            <a:ln>
-              <a:noFill/>
-            </a:ln>
-          </p:spPr>
-          <p:style>
-            <a:lnRef idx="2">
-              <a:schemeClr val="accent1">
-                <a:shade val="50000"/>
-              </a:schemeClr>
-            </a:lnRef>
-            <a:fillRef idx="1">
-              <a:schemeClr val="accent1"/>
-            </a:fillRef>
-            <a:effectRef idx="0">
-              <a:schemeClr val="accent1"/>
-            </a:effectRef>
-            <a:fontRef idx="minor">
-              <a:schemeClr val="lt1"/>
-            </a:fontRef>
-          </p:style>
-          <p:txBody>
-            <a:bodyPr rtlCol="0" anchor="ctr"/>
-            <a:lstStyle/>
-            <a:p>
-              <a:pPr algn="ctr"/>
-              <a:endParaRPr lang="en-US" sz="2040">
-                <a:solidFill>
-                  <a:schemeClr val="tx1"/>
-                </a:solidFill>
-              </a:endParaRPr>
-            </a:p>
-          </p:txBody>
-        </p:sp>
-        <p:sp>
-          <p:nvSpPr>
-            <p:cNvPr id="20" name="5-Point Star 19"/>
-            <p:cNvSpPr>
-              <a:spLocks noChangeAspect="1"/>
-            </p:cNvSpPr>
-            <p:nvPr/>
-          </p:nvSpPr>
-          <p:spPr>
-            <a:xfrm>
-              <a:off x="5609305" y="7911054"/>
-              <a:ext cx="259080" cy="259080"/>
-            </a:xfrm>
-            <a:prstGeom prst="star5">
-              <a:avLst/>
-            </a:prstGeom>
-            <a:solidFill>
-              <a:srgbClr val="002060"/>
-            </a:solidFill>
-            <a:ln>
-              <a:noFill/>
-            </a:ln>
-          </p:spPr>
-          <p:style>
-            <a:lnRef idx="2">
-              <a:schemeClr val="accent1">
-                <a:shade val="50000"/>
-              </a:schemeClr>
-            </a:lnRef>
-            <a:fillRef idx="1">
-              <a:schemeClr val="accent1"/>
-            </a:fillRef>
-            <a:effectRef idx="0">
-              <a:schemeClr val="accent1"/>
-            </a:effectRef>
-            <a:fontRef idx="minor">
-              <a:schemeClr val="lt1"/>
-            </a:fontRef>
-          </p:style>
-          <p:txBody>
-            <a:bodyPr rtlCol="0" anchor="ctr"/>
-            <a:lstStyle/>
-            <a:p>
-              <a:pPr algn="ctr"/>
-              <a:endParaRPr lang="en-US" sz="2040"/>
-            </a:p>
-          </p:txBody>
-        </p:sp>
-        <p:sp>
-          <p:nvSpPr>
-            <p:cNvPr id="21" name="Down Arrow 20"/>
-            <p:cNvSpPr>
-              <a:spLocks noChangeAspect="1"/>
-            </p:cNvSpPr>
-            <p:nvPr/>
-          </p:nvSpPr>
-          <p:spPr>
-            <a:xfrm>
-              <a:off x="1587993" y="7911054"/>
-              <a:ext cx="137312" cy="277216"/>
-            </a:xfrm>
-            <a:prstGeom prst="downArrow">
-              <a:avLst/>
-            </a:prstGeom>
-            <a:solidFill>
-              <a:srgbClr val="F715AC"/>
-            </a:solidFill>
-            <a:ln>
-              <a:noFill/>
-            </a:ln>
-          </p:spPr>
-          <p:style>
-            <a:lnRef idx="2">
-              <a:schemeClr val="accent1">
-                <a:shade val="50000"/>
-              </a:schemeClr>
-            </a:lnRef>
-            <a:fillRef idx="1">
-              <a:schemeClr val="accent1"/>
-            </a:fillRef>
-            <a:effectRef idx="0">
-              <a:schemeClr val="accent1"/>
-            </a:effectRef>
-            <a:fontRef idx="minor">
-              <a:schemeClr val="lt1"/>
-            </a:fontRef>
-          </p:style>
-          <p:txBody>
-            <a:bodyPr rtlCol="0" anchor="ctr"/>
-            <a:lstStyle/>
-            <a:p>
-              <a:pPr algn="ctr"/>
-              <a:endParaRPr lang="en-US" sz="2040"/>
-            </a:p>
-          </p:txBody>
-        </p:sp>
-        <p:sp>
-          <p:nvSpPr>
-            <p:cNvPr id="22" name="TextBox 21"/>
+            <p:cNvPr id="10" name="TextBox 9"/>
             <p:cNvSpPr txBox="1"/>
             <p:nvPr/>
           </p:nvSpPr>
           <p:spPr>
             <a:xfrm>
-              <a:off x="361389" y="7832484"/>
-              <a:ext cx="1320426" cy="406265"/>
-            </a:xfrm>
-            <a:prstGeom prst="rect">
-              <a:avLst/>
-            </a:prstGeom>
-            <a:noFill/>
-          </p:spPr>
-          <p:txBody>
-            <a:bodyPr wrap="none" rtlCol="0">
-              <a:spAutoFit/>
-            </a:bodyPr>
-            <a:lstStyle/>
-            <a:p>
-              <a:r>
-                <a:rPr lang="en-US" sz="2040" dirty="0"/>
-                <a:t>Well plant </a:t>
-              </a:r>
-              <a:endParaRPr lang="en-US" sz="2040" dirty="0"/>
-            </a:p>
-          </p:txBody>
-        </p:sp>
-        <p:sp>
-          <p:nvSpPr>
-            <p:cNvPr id="23" name="TextBox 22"/>
-            <p:cNvSpPr txBox="1"/>
-            <p:nvPr/>
-          </p:nvSpPr>
-          <p:spPr>
-            <a:xfrm>
-              <a:off x="6727575" y="7837461"/>
-              <a:ext cx="2084930" cy="406265"/>
-            </a:xfrm>
-            <a:prstGeom prst="rect">
-              <a:avLst/>
-            </a:prstGeom>
-            <a:noFill/>
-          </p:spPr>
-          <p:txBody>
-            <a:bodyPr wrap="none" rtlCol="0">
-              <a:spAutoFit/>
-            </a:bodyPr>
-            <a:lstStyle/>
-            <a:p>
-              <a:r>
-                <a:rPr lang="en-US" sz="2040" dirty="0"/>
-                <a:t>Satisfactory plant </a:t>
-              </a:r>
-              <a:endParaRPr lang="en-US" sz="2040" dirty="0"/>
-            </a:p>
-          </p:txBody>
-        </p:sp>
-        <p:sp>
-          <p:nvSpPr>
-            <p:cNvPr id="24" name="TextBox 23"/>
-            <p:cNvSpPr txBox="1"/>
-            <p:nvPr/>
-          </p:nvSpPr>
-          <p:spPr>
-            <a:xfrm>
-              <a:off x="1681815" y="7832484"/>
-              <a:ext cx="2066912" cy="406265"/>
-            </a:xfrm>
-            <a:prstGeom prst="rect">
-              <a:avLst/>
-            </a:prstGeom>
-            <a:noFill/>
-          </p:spPr>
-          <p:txBody>
-            <a:bodyPr wrap="none" rtlCol="0">
-              <a:spAutoFit/>
-            </a:bodyPr>
-            <a:lstStyle/>
-            <a:p>
-              <a:r>
-                <a:rPr lang="en-US" sz="2040" dirty="0"/>
-                <a:t>Wooden platform</a:t>
-              </a:r>
-              <a:endParaRPr lang="en-US" sz="2040" dirty="0"/>
-            </a:p>
-          </p:txBody>
-        </p:sp>
-        <p:sp>
-          <p:nvSpPr>
-            <p:cNvPr id="25" name="TextBox 24"/>
-            <p:cNvSpPr txBox="1"/>
-            <p:nvPr/>
-          </p:nvSpPr>
-          <p:spPr>
-            <a:xfrm>
-              <a:off x="3804615" y="7828171"/>
-              <a:ext cx="1896938" cy="406265"/>
+              <a:off x="188260" y="5916706"/>
+              <a:ext cx="7149354" cy="358469"/>
             </a:xfrm>
             <a:prstGeom prst="rect">
               <a:avLst/>
@@ -3334,22 +3434,21 @@
             <a:p>
               <a:r>
                 <a:rPr lang="en-US" sz="2040" dirty="0"/>
-                <a:t> Round platform</a:t>
+                <a:t>0         20          40         60        80        100        120      140       160        180</a:t>
               </a:r>
-              <a:endParaRPr lang="en-US" sz="2040" dirty="0"/>
             </a:p>
           </p:txBody>
         </p:sp>
         <p:sp>
           <p:nvSpPr>
-            <p:cNvPr id="26" name="TextBox 25"/>
+            <p:cNvPr id="11" name="TextBox 10"/>
             <p:cNvSpPr txBox="1"/>
             <p:nvPr/>
           </p:nvSpPr>
           <p:spPr>
             <a:xfrm>
-              <a:off x="5703128" y="7815429"/>
-              <a:ext cx="896977" cy="406265"/>
+              <a:off x="2899213" y="6154542"/>
+              <a:ext cx="2124635" cy="358469"/>
             </a:xfrm>
             <a:prstGeom prst="rect">
               <a:avLst/>
@@ -3357,414 +3456,305 @@
             <a:noFill/>
           </p:spPr>
           <p:txBody>
-            <a:bodyPr wrap="none" rtlCol="0">
+            <a:bodyPr wrap="square" rtlCol="0">
               <a:spAutoFit/>
             </a:bodyPr>
             <a:lstStyle/>
             <a:p>
               <a:r>
                 <a:rPr lang="en-US" sz="2040" dirty="0"/>
-                <a:t> Drone</a:t>
+                <a:t>Time (</a:t>
               </a:r>
-              <a:endParaRPr lang="en-US" sz="2040" dirty="0"/>
+              <a:r>
+                <a:rPr lang="en-US" sz="2040" dirty="0" err="1"/>
+                <a:t>milli</a:t>
+              </a:r>
+              <a:r>
+                <a:rPr lang="en-US" sz="2040" dirty="0"/>
+                <a:t>-seconds)</a:t>
+              </a:r>
             </a:p>
           </p:txBody>
         </p:sp>
+        <p:cxnSp>
+          <p:nvCxnSpPr>
+            <p:cNvPr id="13" name="Straight Connector 12"/>
+            <p:cNvCxnSpPr/>
+            <p:nvPr/>
+          </p:nvCxnSpPr>
+          <p:spPr>
+            <a:xfrm>
+              <a:off x="349622" y="3182472"/>
+              <a:ext cx="6987991" cy="62755"/>
+            </a:xfrm>
+            <a:prstGeom prst="line">
+              <a:avLst/>
+            </a:prstGeom>
+            <a:ln w="19050">
+              <a:solidFill>
+                <a:schemeClr val="tx1"/>
+              </a:solidFill>
+            </a:ln>
+          </p:spPr>
+          <p:style>
+            <a:lnRef idx="1">
+              <a:schemeClr val="accent1"/>
+            </a:lnRef>
+            <a:fillRef idx="0">
+              <a:schemeClr val="accent1"/>
+            </a:fillRef>
+            <a:effectRef idx="0">
+              <a:schemeClr val="accent1"/>
+            </a:effectRef>
+            <a:fontRef idx="minor">
+              <a:schemeClr val="tx1"/>
+            </a:fontRef>
+          </p:style>
+        </p:cxnSp>
+      </p:grpSp>
+      <p:sp>
+        <p:nvSpPr>
+          <p:cNvPr id="15" name="TextBox 14"/>
+          <p:cNvSpPr txBox="1"/>
+          <p:nvPr/>
+        </p:nvSpPr>
+        <p:spPr>
+          <a:xfrm>
+            <a:off x="426779" y="220382"/>
+            <a:ext cx="477522" cy="406265"/>
+          </a:xfrm>
+          <a:prstGeom prst="rect">
+            <a:avLst/>
+          </a:prstGeom>
+          <a:noFill/>
+        </p:spPr>
+        <p:txBody>
+          <a:bodyPr wrap="square" rtlCol="0">
+            <a:spAutoFit/>
+          </a:bodyPr>
+          <a:lstStyle/>
+          <a:p>
+            <a:r>
+              <a:rPr lang="en-US" sz="2040" dirty="0"/>
+              <a:t>a.</a:t>
+            </a:r>
+          </a:p>
+        </p:txBody>
+      </p:sp>
+      <p:sp>
+        <p:nvSpPr>
+          <p:cNvPr id="16" name="TextBox 15"/>
+          <p:cNvSpPr txBox="1"/>
+          <p:nvPr/>
+        </p:nvSpPr>
+        <p:spPr>
+          <a:xfrm>
+            <a:off x="421698" y="3764785"/>
+            <a:ext cx="477522" cy="406265"/>
+          </a:xfrm>
+          <a:prstGeom prst="rect">
+            <a:avLst/>
+          </a:prstGeom>
+          <a:noFill/>
+        </p:spPr>
+        <p:txBody>
+          <a:bodyPr wrap="square" rtlCol="0">
+            <a:spAutoFit/>
+          </a:bodyPr>
+          <a:lstStyle/>
+          <a:p>
+            <a:r>
+              <a:rPr lang="en-US" sz="2040" dirty="0"/>
+              <a:t>b.</a:t>
+            </a:r>
+          </a:p>
+        </p:txBody>
+      </p:sp>
+      <p:sp>
+        <p:nvSpPr>
+          <p:cNvPr id="29" name="Donut 28"/>
+          <p:cNvSpPr>
+            <a:spLocks noChangeAspect="1"/>
+          </p:cNvSpPr>
+          <p:nvPr/>
+        </p:nvSpPr>
+        <p:spPr>
+          <a:xfrm>
+            <a:off x="8132565" y="2826354"/>
+            <a:ext cx="427876" cy="427876"/>
+          </a:xfrm>
+          <a:prstGeom prst="donut">
+            <a:avLst/>
+          </a:prstGeom>
+          <a:solidFill>
+            <a:srgbClr val="7030A0"/>
+          </a:solidFill>
+          <a:ln>
+            <a:solidFill>
+              <a:schemeClr val="tx1"/>
+            </a:solidFill>
+          </a:ln>
+        </p:spPr>
+        <p:style>
+          <a:lnRef idx="2">
+            <a:schemeClr val="accent1">
+              <a:shade val="50000"/>
+            </a:schemeClr>
+          </a:lnRef>
+          <a:fillRef idx="1">
+            <a:schemeClr val="accent1"/>
+          </a:fillRef>
+          <a:effectRef idx="0">
+            <a:schemeClr val="accent1"/>
+          </a:effectRef>
+          <a:fontRef idx="minor">
+            <a:schemeClr val="lt1"/>
+          </a:fontRef>
+        </p:style>
+        <p:txBody>
+          <a:bodyPr rtlCol="0" anchor="ctr"/>
+          <a:lstStyle/>
+          <a:p>
+            <a:pPr algn="ctr"/>
+            <a:endParaRPr lang="en-US" sz="2040">
+              <a:solidFill>
+                <a:schemeClr val="tx1"/>
+              </a:solidFill>
+            </a:endParaRPr>
+          </a:p>
+        </p:txBody>
+      </p:sp>
+      <p:grpSp>
+        <p:nvGrpSpPr>
+          <p:cNvPr id="37" name="Group 36"/>
+          <p:cNvGrpSpPr/>
+          <p:nvPr/>
+        </p:nvGrpSpPr>
+        <p:grpSpPr>
+          <a:xfrm>
+            <a:off x="7966544" y="685774"/>
+            <a:ext cx="753219" cy="539161"/>
+            <a:chOff x="2504255" y="2959892"/>
+            <a:chExt cx="2875742" cy="1960174"/>
+          </a:xfrm>
+        </p:grpSpPr>
+        <p:pic>
+          <p:nvPicPr>
+            <p:cNvPr id="38" name="Picture 2" descr="https://cdn0.iconfinder.com/data/icons/drone-applications/512/cargo_drone-512.png"/>
+            <p:cNvPicPr>
+              <a:picLocks noChangeAspect="1" noChangeArrowheads="1"/>
+            </p:cNvPicPr>
+            <p:nvPr/>
+          </p:nvPicPr>
+          <p:blipFill rotWithShape="1">
+            <a:blip r:embed="rId5" cstate="print">
+              <a:extLst>
+                <a:ext uri="{28A0092B-C50C-407E-A947-70E740481C1C}">
+                  <a14:useLocalDpi xmlns:a14="http://schemas.microsoft.com/office/drawing/2010/main" val="0"/>
+                </a:ext>
+              </a:extLst>
+            </a:blip>
+            <a:srcRect t="21733" b="20858"/>
+            <a:stretch/>
+          </p:blipFill>
+          <p:spPr bwMode="auto">
+            <a:xfrm>
+              <a:off x="2504255" y="2959892"/>
+              <a:ext cx="2875742" cy="1650935"/>
+            </a:xfrm>
+            <a:prstGeom prst="rect">
+              <a:avLst/>
+            </a:prstGeom>
+            <a:noFill/>
+            <a:extLst>
+              <a:ext uri="{909E8E84-426E-40DD-AFC4-6F175D3DCCD1}">
+                <a14:hiddenFill xmlns:a14="http://schemas.microsoft.com/office/drawing/2010/main">
+                  <a:solidFill>
+                    <a:srgbClr val="FFFFFF"/>
+                  </a:solidFill>
+                </a14:hiddenFill>
+              </a:ext>
+            </a:extLst>
+          </p:spPr>
+        </p:pic>
         <p:grpSp>
           <p:nvGrpSpPr>
-            <p:cNvPr id="33" name="Group 32"/>
+            <p:cNvPr id="39" name="Group 38"/>
             <p:cNvGrpSpPr/>
             <p:nvPr/>
           </p:nvGrpSpPr>
           <p:grpSpPr>
             <a:xfrm>
-              <a:off x="291574" y="234508"/>
-              <a:ext cx="8370860" cy="7530442"/>
-              <a:chOff x="-599438" y="0"/>
-              <a:chExt cx="8370860" cy="7530442"/>
+              <a:off x="3354646" y="3907343"/>
+              <a:ext cx="294968" cy="1012723"/>
+              <a:chOff x="3570954" y="4719473"/>
+              <a:chExt cx="294968" cy="1012723"/>
             </a:xfrm>
           </p:grpSpPr>
-          <p:grpSp>
-            <p:nvGrpSpPr>
-              <p:cNvPr id="14" name="Group 13"/>
-              <p:cNvGrpSpPr/>
-              <p:nvPr/>
-            </p:nvGrpSpPr>
-            <p:grpSpPr>
-              <a:xfrm>
-                <a:off x="-599438" y="0"/>
-                <a:ext cx="8107680" cy="7530442"/>
-                <a:chOff x="188260" y="0"/>
-                <a:chExt cx="7153835" cy="6644507"/>
-              </a:xfrm>
-            </p:grpSpPr>
-            <p:pic>
-              <p:nvPicPr>
-                <p:cNvPr id="4" name="Picture 3"/>
-                <p:cNvPicPr>
-                  <a:picLocks noChangeAspect="1"/>
-                </p:cNvPicPr>
-                <p:nvPr/>
-              </p:nvPicPr>
-              <p:blipFill rotWithShape="1">
-                <a:blip r:embed="rId2"/>
-                <a:srcRect l="3329" t="598" r="4104" b="724"/>
-                <a:stretch/>
-              </p:blipFill>
-              <p:spPr>
-                <a:xfrm rot="16200000">
-                  <a:off x="2241176" y="-1887070"/>
-                  <a:ext cx="3209366" cy="6983507"/>
-                </a:xfrm>
-                <a:prstGeom prst="rect">
-                  <a:avLst/>
-                </a:prstGeom>
-              </p:spPr>
-            </p:pic>
-            <p:grpSp>
-              <p:nvGrpSpPr>
-                <p:cNvPr id="8" name="Group 7"/>
-                <p:cNvGrpSpPr/>
-                <p:nvPr/>
-              </p:nvGrpSpPr>
-              <p:grpSpPr>
-                <a:xfrm>
-                  <a:off x="349622" y="3215531"/>
-                  <a:ext cx="6992473" cy="2701174"/>
-                  <a:chOff x="349622" y="3215531"/>
-                  <a:chExt cx="6992473" cy="2701174"/>
-                </a:xfrm>
-              </p:grpSpPr>
-              <p:pic>
-                <p:nvPicPr>
-                  <p:cNvPr id="5" name="Picture 4"/>
-                  <p:cNvPicPr>
-                    <a:picLocks noChangeAspect="1"/>
-                  </p:cNvPicPr>
-                  <p:nvPr/>
-                </p:nvPicPr>
-                <p:blipFill rotWithShape="1">
-                  <a:blip r:embed="rId3"/>
-                  <a:srcRect l="2941" t="471" r="2458" b="590"/>
-                  <a:stretch/>
-                </p:blipFill>
-                <p:spPr>
-                  <a:xfrm rot="16200000">
-                    <a:off x="2967317" y="597836"/>
-                    <a:ext cx="1757084" cy="6992473"/>
-                  </a:xfrm>
-                  <a:prstGeom prst="rect">
-                    <a:avLst/>
-                  </a:prstGeom>
-                </p:spPr>
-              </p:pic>
-              <p:pic>
-                <p:nvPicPr>
-                  <p:cNvPr id="6" name="Picture 5"/>
-                  <p:cNvPicPr>
-                    <a:picLocks noChangeAspect="1"/>
-                  </p:cNvPicPr>
-                  <p:nvPr/>
-                </p:nvPicPr>
-                <p:blipFill rotWithShape="1">
-                  <a:blip r:embed="rId4"/>
-                  <a:srcRect l="7368" t="794"/>
-                  <a:stretch/>
-                </p:blipFill>
-                <p:spPr>
-                  <a:xfrm rot="16200000">
-                    <a:off x="3293551" y="2028687"/>
-                    <a:ext cx="944091" cy="6831946"/>
-                  </a:xfrm>
-                  <a:prstGeom prst="rect">
-                    <a:avLst/>
-                  </a:prstGeom>
-                </p:spPr>
-              </p:pic>
-              <p:sp>
-                <p:nvSpPr>
-                  <p:cNvPr id="7" name="Rectangle 6"/>
-                  <p:cNvSpPr/>
-                  <p:nvPr/>
-                </p:nvSpPr>
-                <p:spPr>
-                  <a:xfrm>
-                    <a:off x="2447365" y="4879883"/>
-                    <a:ext cx="510988" cy="376518"/>
-                  </a:xfrm>
-                  <a:prstGeom prst="rect">
-                    <a:avLst/>
-                  </a:prstGeom>
-                  <a:solidFill>
-                    <a:schemeClr val="bg1"/>
-                  </a:solidFill>
-                  <a:ln>
-                    <a:solidFill>
-                      <a:schemeClr val="bg1"/>
-                    </a:solidFill>
-                  </a:ln>
-                </p:spPr>
-                <p:style>
-                  <a:lnRef idx="2">
-                    <a:schemeClr val="accent1">
-                      <a:shade val="50000"/>
-                    </a:schemeClr>
-                  </a:lnRef>
-                  <a:fillRef idx="1">
-                    <a:schemeClr val="accent1"/>
-                  </a:fillRef>
-                  <a:effectRef idx="0">
-                    <a:schemeClr val="accent1"/>
-                  </a:effectRef>
-                  <a:fontRef idx="minor">
-                    <a:schemeClr val="lt1"/>
-                  </a:fontRef>
-                </p:style>
-                <p:txBody>
-                  <a:bodyPr rot="0" spcFirstLastPara="0" vertOverflow="overflow" horzOverflow="overflow" vert="horz" wrap="square" lIns="103632" tIns="51816" rIns="103632" bIns="51816" numCol="1" spcCol="0" rtlCol="0" fromWordArt="0" anchor="ctr" anchorCtr="0" forceAA="0" compatLnSpc="1">
-                    <a:prstTxWarp prst="textNoShape">
-                      <a:avLst/>
-                    </a:prstTxWarp>
-                    <a:noAutofit/>
-                  </a:bodyPr>
-                  <a:lstStyle/>
-                  <a:p>
-                    <a:pPr algn="ctr"/>
-                    <a:endParaRPr lang="en-US" sz="2040"/>
-                  </a:p>
-                </p:txBody>
-              </p:sp>
-            </p:grpSp>
-            <p:sp>
-              <p:nvSpPr>
-                <p:cNvPr id="9" name="Rectangle 8"/>
-                <p:cNvSpPr/>
-                <p:nvPr/>
-              </p:nvSpPr>
-              <p:spPr>
-                <a:xfrm>
-                  <a:off x="349622" y="0"/>
-                  <a:ext cx="6987991" cy="5916706"/>
-                </a:xfrm>
-                <a:prstGeom prst="rect">
-                  <a:avLst/>
-                </a:prstGeom>
-                <a:noFill/>
-                <a:ln>
-                  <a:solidFill>
-                    <a:schemeClr val="tx1"/>
-                  </a:solidFill>
-                </a:ln>
-              </p:spPr>
-              <p:style>
-                <a:lnRef idx="2">
-                  <a:schemeClr val="accent1">
-                    <a:shade val="50000"/>
-                  </a:schemeClr>
-                </a:lnRef>
-                <a:fillRef idx="1">
-                  <a:schemeClr val="accent1"/>
-                </a:fillRef>
-                <a:effectRef idx="0">
-                  <a:schemeClr val="accent1"/>
-                </a:effectRef>
-                <a:fontRef idx="minor">
-                  <a:schemeClr val="lt1"/>
-                </a:fontRef>
-              </p:style>
-              <p:txBody>
-                <a:bodyPr rot="0" spcFirstLastPara="0" vertOverflow="overflow" horzOverflow="overflow" vert="horz" wrap="square" lIns="103632" tIns="51816" rIns="103632" bIns="51816" numCol="1" spcCol="0" rtlCol="0" fromWordArt="0" anchor="ctr" anchorCtr="0" forceAA="0" compatLnSpc="1">
-                  <a:prstTxWarp prst="textNoShape">
-                    <a:avLst/>
-                  </a:prstTxWarp>
-                  <a:noAutofit/>
-                </a:bodyPr>
-                <a:lstStyle/>
-                <a:p>
-                  <a:pPr algn="ctr"/>
-                  <a:endParaRPr lang="en-US" sz="2040"/>
-                </a:p>
-              </p:txBody>
-            </p:sp>
-            <p:sp>
-              <p:nvSpPr>
-                <p:cNvPr id="10" name="TextBox 9"/>
-                <p:cNvSpPr txBox="1"/>
-                <p:nvPr/>
-              </p:nvSpPr>
-              <p:spPr>
-                <a:xfrm>
-                  <a:off x="188260" y="5916706"/>
-                  <a:ext cx="7149354" cy="358469"/>
-                </a:xfrm>
-                <a:prstGeom prst="rect">
-                  <a:avLst/>
-                </a:prstGeom>
-                <a:noFill/>
-              </p:spPr>
-              <p:txBody>
-                <a:bodyPr wrap="square" rtlCol="0">
-                  <a:spAutoFit/>
-                </a:bodyPr>
-                <a:lstStyle/>
-                <a:p>
-                  <a:r>
-                    <a:rPr lang="en-US" sz="2040" dirty="0"/>
-                    <a:t>0         20          40         60        80        100        120      140       160        180</a:t>
-                  </a:r>
-                </a:p>
-              </p:txBody>
-            </p:sp>
-            <p:sp>
-              <p:nvSpPr>
-                <p:cNvPr id="11" name="TextBox 10"/>
-                <p:cNvSpPr txBox="1"/>
-                <p:nvPr/>
-              </p:nvSpPr>
-              <p:spPr>
-                <a:xfrm>
-                  <a:off x="2958352" y="6286038"/>
-                  <a:ext cx="2124635" cy="358469"/>
-                </a:xfrm>
-                <a:prstGeom prst="rect">
-                  <a:avLst/>
-                </a:prstGeom>
-                <a:noFill/>
-              </p:spPr>
-              <p:txBody>
-                <a:bodyPr wrap="square" rtlCol="0">
-                  <a:spAutoFit/>
-                </a:bodyPr>
-                <a:lstStyle/>
-                <a:p>
-                  <a:r>
-                    <a:rPr lang="en-US" sz="2040" dirty="0"/>
-                    <a:t>Time (</a:t>
-                  </a:r>
-                  <a:r>
-                    <a:rPr lang="en-US" sz="2040" dirty="0" err="1"/>
-                    <a:t>milli</a:t>
-                  </a:r>
-                  <a:r>
-                    <a:rPr lang="en-US" sz="2040" dirty="0"/>
-                    <a:t>-seconds)</a:t>
-                  </a:r>
-                </a:p>
-              </p:txBody>
-            </p:sp>
-            <p:cxnSp>
-              <p:nvCxnSpPr>
-                <p:cNvPr id="13" name="Straight Connector 12"/>
-                <p:cNvCxnSpPr/>
-                <p:nvPr/>
-              </p:nvCxnSpPr>
-              <p:spPr>
-                <a:xfrm>
-                  <a:off x="349622" y="3182472"/>
-                  <a:ext cx="6987991" cy="62755"/>
-                </a:xfrm>
-                <a:prstGeom prst="line">
-                  <a:avLst/>
-                </a:prstGeom>
-                <a:ln w="19050">
-                  <a:solidFill>
-                    <a:schemeClr val="tx1"/>
-                  </a:solidFill>
-                </a:ln>
-              </p:spPr>
-              <p:style>
-                <a:lnRef idx="1">
-                  <a:schemeClr val="accent1"/>
-                </a:lnRef>
-                <a:fillRef idx="0">
-                  <a:schemeClr val="accent1"/>
-                </a:fillRef>
-                <a:effectRef idx="0">
-                  <a:schemeClr val="accent1"/>
-                </a:effectRef>
-                <a:fontRef idx="minor">
-                  <a:schemeClr val="tx1"/>
-                </a:fontRef>
-              </p:style>
-            </p:cxnSp>
-          </p:grpSp>
           <p:sp>
             <p:nvSpPr>
-              <p:cNvPr id="15" name="TextBox 14"/>
-              <p:cNvSpPr txBox="1"/>
+              <p:cNvPr id="50" name="Rounded Rectangle 49"/>
+              <p:cNvSpPr/>
               <p:nvPr/>
             </p:nvSpPr>
             <p:spPr>
               <a:xfrm>
-                <a:off x="-416561" y="0"/>
-                <a:ext cx="477522" cy="406265"/>
+                <a:off x="3570954" y="4719473"/>
+                <a:ext cx="294968" cy="521110"/>
               </a:xfrm>
-              <a:prstGeom prst="rect">
+              <a:prstGeom prst="roundRect">
                 <a:avLst/>
               </a:prstGeom>
-              <a:noFill/>
+              <a:solidFill>
+                <a:srgbClr val="FFC000"/>
+              </a:solidFill>
             </p:spPr>
+            <p:style>
+              <a:lnRef idx="2">
+                <a:schemeClr val="accent1">
+                  <a:shade val="50000"/>
+                </a:schemeClr>
+              </a:lnRef>
+              <a:fillRef idx="1">
+                <a:schemeClr val="accent1"/>
+              </a:fillRef>
+              <a:effectRef idx="0">
+                <a:schemeClr val="accent1"/>
+              </a:effectRef>
+              <a:fontRef idx="minor">
+                <a:schemeClr val="lt1"/>
+              </a:fontRef>
+            </p:style>
             <p:txBody>
-              <a:bodyPr wrap="square" rtlCol="0">
-                <a:spAutoFit/>
-              </a:bodyPr>
+              <a:bodyPr rtlCol="0" anchor="ctr"/>
               <a:lstStyle/>
               <a:p>
-                <a:r>
-                  <a:rPr lang="en-US" sz="2040" dirty="0"/>
-                  <a:t>a.</a:t>
-                </a:r>
+                <a:pPr algn="ctr"/>
+                <a:endParaRPr lang="en-US"/>
               </a:p>
             </p:txBody>
           </p:sp>
           <p:sp>
             <p:nvSpPr>
-              <p:cNvPr id="16" name="TextBox 15"/>
-              <p:cNvSpPr txBox="1"/>
-              <p:nvPr/>
-            </p:nvSpPr>
-            <p:spPr>
-              <a:xfrm>
-                <a:off x="-421642" y="3544403"/>
-                <a:ext cx="477522" cy="406265"/>
-              </a:xfrm>
-              <a:prstGeom prst="rect">
-                <a:avLst/>
-              </a:prstGeom>
-              <a:noFill/>
-            </p:spPr>
-            <p:txBody>
-              <a:bodyPr wrap="square" rtlCol="0">
-                <a:spAutoFit/>
-              </a:bodyPr>
-              <a:lstStyle/>
-              <a:p>
-                <a:r>
-                  <a:rPr lang="en-US" sz="2040" dirty="0"/>
-                  <a:t>b.</a:t>
-                </a:r>
-              </a:p>
-            </p:txBody>
-          </p:sp>
-          <p:sp>
-            <p:nvSpPr>
-              <p:cNvPr id="27" name="Isosceles Triangle 26"/>
+              <p:cNvPr id="51" name="Isosceles Triangle 50"/>
               <p:cNvSpPr/>
               <p:nvPr/>
             </p:nvSpPr>
             <p:spPr>
-              <a:xfrm>
-                <a:off x="7300914" y="5888328"/>
-                <a:ext cx="397800" cy="427675"/>
+              <a:xfrm flipV="1">
+                <a:off x="3669277" y="5240583"/>
+                <a:ext cx="98322" cy="491613"/>
               </a:xfrm>
               <a:prstGeom prst="triangle">
                 <a:avLst/>
               </a:prstGeom>
               <a:solidFill>
-                <a:srgbClr val="00B050"/>
+                <a:schemeClr val="tx1"/>
               </a:solidFill>
               <a:ln>
-                <a:noFill/>
+                <a:solidFill>
+                  <a:schemeClr val="tx1"/>
+                </a:solidFill>
               </a:ln>
             </p:spPr>
             <p:style>
@@ -3788,29 +3778,89 @@
               <a:lstStyle/>
               <a:p>
                 <a:pPr algn="ctr"/>
-                <a:endParaRPr lang="en-US" sz="2040"/>
+                <a:endParaRPr lang="en-US"/>
+              </a:p>
+            </p:txBody>
+          </p:sp>
+        </p:grpSp>
+        <p:grpSp>
+          <p:nvGrpSpPr>
+            <p:cNvPr id="40" name="Group 39"/>
+            <p:cNvGrpSpPr/>
+            <p:nvPr/>
+          </p:nvGrpSpPr>
+          <p:grpSpPr>
+            <a:xfrm>
+              <a:off x="3644106" y="3901702"/>
+              <a:ext cx="294968" cy="1012723"/>
+              <a:chOff x="3570954" y="4719473"/>
+              <a:chExt cx="294968" cy="1012723"/>
+            </a:xfrm>
+          </p:grpSpPr>
+          <p:sp>
+            <p:nvSpPr>
+              <p:cNvPr id="48" name="Rounded Rectangle 47"/>
+              <p:cNvSpPr/>
+              <p:nvPr/>
+            </p:nvSpPr>
+            <p:spPr>
+              <a:xfrm>
+                <a:off x="3570954" y="4719473"/>
+                <a:ext cx="294968" cy="521110"/>
+              </a:xfrm>
+              <a:prstGeom prst="roundRect">
+                <a:avLst/>
+              </a:prstGeom>
+              <a:solidFill>
+                <a:srgbClr val="FFC000"/>
+              </a:solidFill>
+            </p:spPr>
+            <p:style>
+              <a:lnRef idx="2">
+                <a:schemeClr val="accent1">
+                  <a:shade val="50000"/>
+                </a:schemeClr>
+              </a:lnRef>
+              <a:fillRef idx="1">
+                <a:schemeClr val="accent1"/>
+              </a:fillRef>
+              <a:effectRef idx="0">
+                <a:schemeClr val="accent1"/>
+              </a:effectRef>
+              <a:fontRef idx="minor">
+                <a:schemeClr val="lt1"/>
+              </a:fontRef>
+            </p:style>
+            <p:txBody>
+              <a:bodyPr rtlCol="0" anchor="ctr"/>
+              <a:lstStyle/>
+              <a:p>
+                <a:pPr algn="ctr"/>
+                <a:endParaRPr lang="en-US"/>
               </a:p>
             </p:txBody>
           </p:sp>
           <p:sp>
             <p:nvSpPr>
-              <p:cNvPr id="28" name="Cross 27"/>
+              <p:cNvPr id="49" name="Isosceles Triangle 48"/>
               <p:cNvSpPr/>
               <p:nvPr/>
             </p:nvSpPr>
             <p:spPr>
-              <a:xfrm>
-                <a:off x="7309343" y="3994488"/>
-                <a:ext cx="397799" cy="353915"/>
+              <a:xfrm flipV="1">
+                <a:off x="3669277" y="5240583"/>
+                <a:ext cx="98322" cy="491613"/>
               </a:xfrm>
-              <a:prstGeom prst="plus">
+              <a:prstGeom prst="triangle">
                 <a:avLst/>
               </a:prstGeom>
               <a:solidFill>
-                <a:srgbClr val="FFFF00"/>
+                <a:schemeClr val="tx1"/>
               </a:solidFill>
               <a:ln>
-                <a:noFill/>
+                <a:solidFill>
+                  <a:schemeClr val="tx1"/>
+                </a:solidFill>
               </a:ln>
             </p:spPr>
             <p:style>
@@ -3834,31 +3884,89 @@
               <a:lstStyle/>
               <a:p>
                 <a:pPr algn="ctr"/>
-                <a:endParaRPr lang="en-US" sz="2040"/>
+                <a:endParaRPr lang="en-US"/>
+              </a:p>
+            </p:txBody>
+          </p:sp>
+        </p:grpSp>
+        <p:grpSp>
+          <p:nvGrpSpPr>
+            <p:cNvPr id="41" name="Group 40"/>
+            <p:cNvGrpSpPr/>
+            <p:nvPr/>
+          </p:nvGrpSpPr>
+          <p:grpSpPr>
+            <a:xfrm>
+              <a:off x="3944783" y="3894772"/>
+              <a:ext cx="294968" cy="1012723"/>
+              <a:chOff x="3570954" y="4719473"/>
+              <a:chExt cx="294968" cy="1012723"/>
+            </a:xfrm>
+          </p:grpSpPr>
+          <p:sp>
+            <p:nvSpPr>
+              <p:cNvPr id="46" name="Rounded Rectangle 45"/>
+              <p:cNvSpPr/>
+              <p:nvPr/>
+            </p:nvSpPr>
+            <p:spPr>
+              <a:xfrm>
+                <a:off x="3570954" y="4719473"/>
+                <a:ext cx="294968" cy="521110"/>
+              </a:xfrm>
+              <a:prstGeom prst="roundRect">
+                <a:avLst/>
+              </a:prstGeom>
+              <a:solidFill>
+                <a:srgbClr val="FFC000"/>
+              </a:solidFill>
+            </p:spPr>
+            <p:style>
+              <a:lnRef idx="2">
+                <a:schemeClr val="accent1">
+                  <a:shade val="50000"/>
+                </a:schemeClr>
+              </a:lnRef>
+              <a:fillRef idx="1">
+                <a:schemeClr val="accent1"/>
+              </a:fillRef>
+              <a:effectRef idx="0">
+                <a:schemeClr val="accent1"/>
+              </a:effectRef>
+              <a:fontRef idx="minor">
+                <a:schemeClr val="lt1"/>
+              </a:fontRef>
+            </p:style>
+            <p:txBody>
+              <a:bodyPr rtlCol="0" anchor="ctr"/>
+              <a:lstStyle/>
+              <a:p>
+                <a:pPr algn="ctr"/>
+                <a:endParaRPr lang="en-US"/>
               </a:p>
             </p:txBody>
           </p:sp>
           <p:sp>
             <p:nvSpPr>
-              <p:cNvPr id="29" name="Donut 28"/>
-              <p:cNvSpPr>
-                <a:spLocks noChangeAspect="1"/>
-              </p:cNvSpPr>
+              <p:cNvPr id="47" name="Isosceles Triangle 46"/>
+              <p:cNvSpPr/>
               <p:nvPr/>
             </p:nvSpPr>
             <p:spPr>
-              <a:xfrm>
-                <a:off x="7289225" y="2605972"/>
-                <a:ext cx="427876" cy="427876"/>
+              <a:xfrm flipV="1">
+                <a:off x="3669277" y="5240583"/>
+                <a:ext cx="98322" cy="491613"/>
               </a:xfrm>
-              <a:prstGeom prst="donut">
+              <a:prstGeom prst="triangle">
                 <a:avLst/>
               </a:prstGeom>
               <a:solidFill>
-                <a:srgbClr val="7030A0"/>
+                <a:schemeClr val="tx1"/>
               </a:solidFill>
               <a:ln>
-                <a:noFill/>
+                <a:solidFill>
+                  <a:schemeClr val="tx1"/>
+                </a:solidFill>
               </a:ln>
             </p:spPr>
             <p:style>
@@ -3882,35 +3990,89 @@
               <a:lstStyle/>
               <a:p>
                 <a:pPr algn="ctr"/>
-                <a:endParaRPr lang="en-US" sz="2040">
-                  <a:solidFill>
-                    <a:schemeClr val="tx1"/>
-                  </a:solidFill>
-                </a:endParaRPr>
+                <a:endParaRPr lang="en-US"/>
+              </a:p>
+            </p:txBody>
+          </p:sp>
+        </p:grpSp>
+        <p:grpSp>
+          <p:nvGrpSpPr>
+            <p:cNvPr id="42" name="Group 41"/>
+            <p:cNvGrpSpPr/>
+            <p:nvPr/>
+          </p:nvGrpSpPr>
+          <p:grpSpPr>
+            <a:xfrm>
+              <a:off x="4225744" y="3894680"/>
+              <a:ext cx="294968" cy="1012723"/>
+              <a:chOff x="3570954" y="4719473"/>
+              <a:chExt cx="294968" cy="1012723"/>
+            </a:xfrm>
+          </p:grpSpPr>
+          <p:sp>
+            <p:nvSpPr>
+              <p:cNvPr id="44" name="Rounded Rectangle 43"/>
+              <p:cNvSpPr/>
+              <p:nvPr/>
+            </p:nvSpPr>
+            <p:spPr>
+              <a:xfrm>
+                <a:off x="3570954" y="4719473"/>
+                <a:ext cx="294968" cy="521110"/>
+              </a:xfrm>
+              <a:prstGeom prst="roundRect">
+                <a:avLst/>
+              </a:prstGeom>
+              <a:solidFill>
+                <a:srgbClr val="FFC000"/>
+              </a:solidFill>
+            </p:spPr>
+            <p:style>
+              <a:lnRef idx="2">
+                <a:schemeClr val="accent1">
+                  <a:shade val="50000"/>
+                </a:schemeClr>
+              </a:lnRef>
+              <a:fillRef idx="1">
+                <a:schemeClr val="accent1"/>
+              </a:fillRef>
+              <a:effectRef idx="0">
+                <a:schemeClr val="accent1"/>
+              </a:effectRef>
+              <a:fontRef idx="minor">
+                <a:schemeClr val="lt1"/>
+              </a:fontRef>
+            </p:style>
+            <p:txBody>
+              <a:bodyPr rtlCol="0" anchor="ctr"/>
+              <a:lstStyle/>
+              <a:p>
+                <a:pPr algn="ctr"/>
+                <a:endParaRPr lang="en-US"/>
               </a:p>
             </p:txBody>
           </p:sp>
           <p:sp>
             <p:nvSpPr>
-              <p:cNvPr id="30" name="5-Point Star 29"/>
-              <p:cNvSpPr>
-                <a:spLocks noChangeAspect="1"/>
-              </p:cNvSpPr>
+              <p:cNvPr id="45" name="Isosceles Triangle 44"/>
+              <p:cNvSpPr/>
               <p:nvPr/>
             </p:nvSpPr>
             <p:spPr>
-              <a:xfrm>
-                <a:off x="7258450" y="534518"/>
-                <a:ext cx="512972" cy="512972"/>
+              <a:xfrm flipV="1">
+                <a:off x="3669277" y="5240583"/>
+                <a:ext cx="98322" cy="491613"/>
               </a:xfrm>
-              <a:prstGeom prst="star5">
+              <a:prstGeom prst="triangle">
                 <a:avLst/>
               </a:prstGeom>
               <a:solidFill>
-                <a:srgbClr val="002060"/>
+                <a:schemeClr val="tx1"/>
               </a:solidFill>
               <a:ln>
-                <a:noFill/>
+                <a:solidFill>
+                  <a:schemeClr val="tx1"/>
+                </a:solidFill>
               </a:ln>
             </p:spPr>
             <p:style>
@@ -3934,31 +4096,186 @@
               <a:lstStyle/>
               <a:p>
                 <a:pPr algn="ctr"/>
-                <a:endParaRPr lang="en-US" sz="2040"/>
+                <a:endParaRPr lang="en-US"/>
+              </a:p>
+            </p:txBody>
+          </p:sp>
+        </p:grpSp>
+        <p:sp>
+          <p:nvSpPr>
+            <p:cNvPr id="43" name="Rectangle 42"/>
+            <p:cNvSpPr/>
+            <p:nvPr/>
+          </p:nvSpPr>
+          <p:spPr>
+            <a:xfrm>
+              <a:off x="3387012" y="3777876"/>
+              <a:ext cx="1133700" cy="104176"/>
+            </a:xfrm>
+            <a:prstGeom prst="rect">
+              <a:avLst/>
+            </a:prstGeom>
+            <a:solidFill>
+              <a:srgbClr val="FF0000"/>
+            </a:solidFill>
+          </p:spPr>
+          <p:style>
+            <a:lnRef idx="2">
+              <a:schemeClr val="accent1">
+                <a:shade val="50000"/>
+              </a:schemeClr>
+            </a:lnRef>
+            <a:fillRef idx="1">
+              <a:schemeClr val="accent1"/>
+            </a:fillRef>
+            <a:effectRef idx="0">
+              <a:schemeClr val="accent1"/>
+            </a:effectRef>
+            <a:fontRef idx="minor">
+              <a:schemeClr val="lt1"/>
+            </a:fontRef>
+          </p:style>
+          <p:txBody>
+            <a:bodyPr rtlCol="0" anchor="ctr"/>
+            <a:lstStyle/>
+            <a:p>
+              <a:pPr algn="ctr"/>
+              <a:endParaRPr lang="en-US"/>
+            </a:p>
+          </p:txBody>
+        </p:sp>
+      </p:grpSp>
+      <p:grpSp>
+        <p:nvGrpSpPr>
+          <p:cNvPr id="52" name="Group 51"/>
+          <p:cNvGrpSpPr/>
+          <p:nvPr/>
+        </p:nvGrpSpPr>
+        <p:grpSpPr>
+          <a:xfrm>
+            <a:off x="7927115" y="5120757"/>
+            <a:ext cx="753219" cy="539161"/>
+            <a:chOff x="2504255" y="2959892"/>
+            <a:chExt cx="2875742" cy="1960174"/>
+          </a:xfrm>
+        </p:grpSpPr>
+        <p:pic>
+          <p:nvPicPr>
+            <p:cNvPr id="53" name="Picture 2" descr="https://cdn0.iconfinder.com/data/icons/drone-applications/512/cargo_drone-512.png"/>
+            <p:cNvPicPr>
+              <a:picLocks noChangeAspect="1" noChangeArrowheads="1"/>
+            </p:cNvPicPr>
+            <p:nvPr/>
+          </p:nvPicPr>
+          <p:blipFill rotWithShape="1">
+            <a:blip r:embed="rId5" cstate="print">
+              <a:extLst>
+                <a:ext uri="{28A0092B-C50C-407E-A947-70E740481C1C}">
+                  <a14:useLocalDpi xmlns:a14="http://schemas.microsoft.com/office/drawing/2010/main" val="0"/>
+                </a:ext>
+              </a:extLst>
+            </a:blip>
+            <a:srcRect t="21733" b="20858"/>
+            <a:stretch/>
+          </p:blipFill>
+          <p:spPr bwMode="auto">
+            <a:xfrm>
+              <a:off x="2504255" y="2959892"/>
+              <a:ext cx="2875742" cy="1650935"/>
+            </a:xfrm>
+            <a:prstGeom prst="rect">
+              <a:avLst/>
+            </a:prstGeom>
+            <a:noFill/>
+            <a:extLst>
+              <a:ext uri="{909E8E84-426E-40DD-AFC4-6F175D3DCCD1}">
+                <a14:hiddenFill xmlns:a14="http://schemas.microsoft.com/office/drawing/2010/main">
+                  <a:solidFill>
+                    <a:srgbClr val="FFFFFF"/>
+                  </a:solidFill>
+                </a14:hiddenFill>
+              </a:ext>
+            </a:extLst>
+          </p:spPr>
+        </p:pic>
+        <p:grpSp>
+          <p:nvGrpSpPr>
+            <p:cNvPr id="54" name="Group 53"/>
+            <p:cNvGrpSpPr/>
+            <p:nvPr/>
+          </p:nvGrpSpPr>
+          <p:grpSpPr>
+            <a:xfrm>
+              <a:off x="3354646" y="3907343"/>
+              <a:ext cx="294968" cy="1012723"/>
+              <a:chOff x="3570954" y="4719473"/>
+              <a:chExt cx="294968" cy="1012723"/>
+            </a:xfrm>
+          </p:grpSpPr>
+          <p:sp>
+            <p:nvSpPr>
+              <p:cNvPr id="65" name="Rounded Rectangle 64"/>
+              <p:cNvSpPr/>
+              <p:nvPr/>
+            </p:nvSpPr>
+            <p:spPr>
+              <a:xfrm>
+                <a:off x="3570954" y="4719473"/>
+                <a:ext cx="294968" cy="521110"/>
+              </a:xfrm>
+              <a:prstGeom prst="roundRect">
+                <a:avLst/>
+              </a:prstGeom>
+              <a:solidFill>
+                <a:srgbClr val="FFC000"/>
+              </a:solidFill>
+            </p:spPr>
+            <p:style>
+              <a:lnRef idx="2">
+                <a:schemeClr val="accent1">
+                  <a:shade val="50000"/>
+                </a:schemeClr>
+              </a:lnRef>
+              <a:fillRef idx="1">
+                <a:schemeClr val="accent1"/>
+              </a:fillRef>
+              <a:effectRef idx="0">
+                <a:schemeClr val="accent1"/>
+              </a:effectRef>
+              <a:fontRef idx="minor">
+                <a:schemeClr val="lt1"/>
+              </a:fontRef>
+            </p:style>
+            <p:txBody>
+              <a:bodyPr rtlCol="0" anchor="ctr"/>
+              <a:lstStyle/>
+              <a:p>
+                <a:pPr algn="ctr"/>
+                <a:endParaRPr lang="en-US"/>
               </a:p>
             </p:txBody>
           </p:sp>
           <p:sp>
             <p:nvSpPr>
-              <p:cNvPr id="31" name="Down Arrow 30"/>
-              <p:cNvSpPr>
-                <a:spLocks noChangeAspect="1"/>
-              </p:cNvSpPr>
+              <p:cNvPr id="66" name="Isosceles Triangle 65"/>
+              <p:cNvSpPr/>
               <p:nvPr/>
             </p:nvSpPr>
             <p:spPr>
-              <a:xfrm>
-                <a:off x="7363770" y="1582009"/>
-                <a:ext cx="302334" cy="610371"/>
+              <a:xfrm flipV="1">
+                <a:off x="3669277" y="5240583"/>
+                <a:ext cx="98322" cy="491613"/>
               </a:xfrm>
-              <a:prstGeom prst="downArrow">
+              <a:prstGeom prst="triangle">
                 <a:avLst/>
               </a:prstGeom>
               <a:solidFill>
-                <a:srgbClr val="F715AC"/>
+                <a:schemeClr val="tx1"/>
               </a:solidFill>
               <a:ln>
-                <a:noFill/>
+                <a:solidFill>
+                  <a:schemeClr val="tx1"/>
+                </a:solidFill>
               </a:ln>
             </p:spPr>
             <p:style>
@@ -3982,31 +4299,89 @@
               <a:lstStyle/>
               <a:p>
                 <a:pPr algn="ctr"/>
-                <a:endParaRPr lang="en-US" sz="2040"/>
+                <a:endParaRPr lang="en-US"/>
+              </a:p>
+            </p:txBody>
+          </p:sp>
+        </p:grpSp>
+        <p:grpSp>
+          <p:nvGrpSpPr>
+            <p:cNvPr id="55" name="Group 54"/>
+            <p:cNvGrpSpPr/>
+            <p:nvPr/>
+          </p:nvGrpSpPr>
+          <p:grpSpPr>
+            <a:xfrm>
+              <a:off x="3644106" y="3901702"/>
+              <a:ext cx="294968" cy="1012723"/>
+              <a:chOff x="3570954" y="4719473"/>
+              <a:chExt cx="294968" cy="1012723"/>
+            </a:xfrm>
+          </p:grpSpPr>
+          <p:sp>
+            <p:nvSpPr>
+              <p:cNvPr id="63" name="Rounded Rectangle 62"/>
+              <p:cNvSpPr/>
+              <p:nvPr/>
+            </p:nvSpPr>
+            <p:spPr>
+              <a:xfrm>
+                <a:off x="3570954" y="4719473"/>
+                <a:ext cx="294968" cy="521110"/>
+              </a:xfrm>
+              <a:prstGeom prst="roundRect">
+                <a:avLst/>
+              </a:prstGeom>
+              <a:solidFill>
+                <a:srgbClr val="FFC000"/>
+              </a:solidFill>
+            </p:spPr>
+            <p:style>
+              <a:lnRef idx="2">
+                <a:schemeClr val="accent1">
+                  <a:shade val="50000"/>
+                </a:schemeClr>
+              </a:lnRef>
+              <a:fillRef idx="1">
+                <a:schemeClr val="accent1"/>
+              </a:fillRef>
+              <a:effectRef idx="0">
+                <a:schemeClr val="accent1"/>
+              </a:effectRef>
+              <a:fontRef idx="minor">
+                <a:schemeClr val="lt1"/>
+              </a:fontRef>
+            </p:style>
+            <p:txBody>
+              <a:bodyPr rtlCol="0" anchor="ctr"/>
+              <a:lstStyle/>
+              <a:p>
+                <a:pPr algn="ctr"/>
+                <a:endParaRPr lang="en-US"/>
               </a:p>
             </p:txBody>
           </p:sp>
           <p:sp>
             <p:nvSpPr>
-              <p:cNvPr id="32" name="5-Point Star 31"/>
-              <p:cNvSpPr>
-                <a:spLocks noChangeAspect="1"/>
-              </p:cNvSpPr>
+              <p:cNvPr id="64" name="Isosceles Triangle 63"/>
+              <p:cNvSpPr/>
               <p:nvPr/>
             </p:nvSpPr>
             <p:spPr>
-              <a:xfrm>
-                <a:off x="7246677" y="4872080"/>
-                <a:ext cx="512972" cy="512972"/>
+              <a:xfrm flipV="1">
+                <a:off x="3669277" y="5240583"/>
+                <a:ext cx="98322" cy="491613"/>
               </a:xfrm>
-              <a:prstGeom prst="star5">
+              <a:prstGeom prst="triangle">
                 <a:avLst/>
               </a:prstGeom>
               <a:solidFill>
-                <a:srgbClr val="002060"/>
+                <a:schemeClr val="tx1"/>
               </a:solidFill>
               <a:ln>
-                <a:noFill/>
+                <a:solidFill>
+                  <a:schemeClr val="tx1"/>
+                </a:solidFill>
               </a:ln>
             </p:spPr>
             <p:style>
@@ -4030,31 +4405,973 @@
               <a:lstStyle/>
               <a:p>
                 <a:pPr algn="ctr"/>
-                <a:endParaRPr lang="en-US" sz="2040"/>
+                <a:endParaRPr lang="en-US"/>
+              </a:p>
+            </p:txBody>
+          </p:sp>
+        </p:grpSp>
+        <p:grpSp>
+          <p:nvGrpSpPr>
+            <p:cNvPr id="56" name="Group 55"/>
+            <p:cNvGrpSpPr/>
+            <p:nvPr/>
+          </p:nvGrpSpPr>
+          <p:grpSpPr>
+            <a:xfrm>
+              <a:off x="3944783" y="3894772"/>
+              <a:ext cx="294968" cy="1012723"/>
+              <a:chOff x="3570954" y="4719473"/>
+              <a:chExt cx="294968" cy="1012723"/>
+            </a:xfrm>
+          </p:grpSpPr>
+          <p:sp>
+            <p:nvSpPr>
+              <p:cNvPr id="61" name="Rounded Rectangle 60"/>
+              <p:cNvSpPr/>
+              <p:nvPr/>
+            </p:nvSpPr>
+            <p:spPr>
+              <a:xfrm>
+                <a:off x="3570954" y="4719473"/>
+                <a:ext cx="294968" cy="521110"/>
+              </a:xfrm>
+              <a:prstGeom prst="roundRect">
+                <a:avLst/>
+              </a:prstGeom>
+              <a:solidFill>
+                <a:srgbClr val="FFC000"/>
+              </a:solidFill>
+            </p:spPr>
+            <p:style>
+              <a:lnRef idx="2">
+                <a:schemeClr val="accent1">
+                  <a:shade val="50000"/>
+                </a:schemeClr>
+              </a:lnRef>
+              <a:fillRef idx="1">
+                <a:schemeClr val="accent1"/>
+              </a:fillRef>
+              <a:effectRef idx="0">
+                <a:schemeClr val="accent1"/>
+              </a:effectRef>
+              <a:fontRef idx="minor">
+                <a:schemeClr val="lt1"/>
+              </a:fontRef>
+            </p:style>
+            <p:txBody>
+              <a:bodyPr rtlCol="0" anchor="ctr"/>
+              <a:lstStyle/>
+              <a:p>
+                <a:pPr algn="ctr"/>
+                <a:endParaRPr lang="en-US"/>
+              </a:p>
+            </p:txBody>
+          </p:sp>
+          <p:sp>
+            <p:nvSpPr>
+              <p:cNvPr id="62" name="Isosceles Triangle 61"/>
+              <p:cNvSpPr/>
+              <p:nvPr/>
+            </p:nvSpPr>
+            <p:spPr>
+              <a:xfrm flipV="1">
+                <a:off x="3669277" y="5240583"/>
+                <a:ext cx="98322" cy="491613"/>
+              </a:xfrm>
+              <a:prstGeom prst="triangle">
+                <a:avLst/>
+              </a:prstGeom>
+              <a:solidFill>
+                <a:schemeClr val="tx1"/>
+              </a:solidFill>
+              <a:ln>
+                <a:solidFill>
+                  <a:schemeClr val="tx1"/>
+                </a:solidFill>
+              </a:ln>
+            </p:spPr>
+            <p:style>
+              <a:lnRef idx="2">
+                <a:schemeClr val="accent1">
+                  <a:shade val="50000"/>
+                </a:schemeClr>
+              </a:lnRef>
+              <a:fillRef idx="1">
+                <a:schemeClr val="accent1"/>
+              </a:fillRef>
+              <a:effectRef idx="0">
+                <a:schemeClr val="accent1"/>
+              </a:effectRef>
+              <a:fontRef idx="minor">
+                <a:schemeClr val="lt1"/>
+              </a:fontRef>
+            </p:style>
+            <p:txBody>
+              <a:bodyPr rtlCol="0" anchor="ctr"/>
+              <a:lstStyle/>
+              <a:p>
+                <a:pPr algn="ctr"/>
+                <a:endParaRPr lang="en-US"/>
+              </a:p>
+            </p:txBody>
+          </p:sp>
+        </p:grpSp>
+        <p:grpSp>
+          <p:nvGrpSpPr>
+            <p:cNvPr id="57" name="Group 56"/>
+            <p:cNvGrpSpPr/>
+            <p:nvPr/>
+          </p:nvGrpSpPr>
+          <p:grpSpPr>
+            <a:xfrm>
+              <a:off x="4225744" y="3894680"/>
+              <a:ext cx="294968" cy="1012723"/>
+              <a:chOff x="3570954" y="4719473"/>
+              <a:chExt cx="294968" cy="1012723"/>
+            </a:xfrm>
+          </p:grpSpPr>
+          <p:sp>
+            <p:nvSpPr>
+              <p:cNvPr id="59" name="Rounded Rectangle 58"/>
+              <p:cNvSpPr/>
+              <p:nvPr/>
+            </p:nvSpPr>
+            <p:spPr>
+              <a:xfrm>
+                <a:off x="3570954" y="4719473"/>
+                <a:ext cx="294968" cy="521110"/>
+              </a:xfrm>
+              <a:prstGeom prst="roundRect">
+                <a:avLst/>
+              </a:prstGeom>
+              <a:solidFill>
+                <a:srgbClr val="FFC000"/>
+              </a:solidFill>
+            </p:spPr>
+            <p:style>
+              <a:lnRef idx="2">
+                <a:schemeClr val="accent1">
+                  <a:shade val="50000"/>
+                </a:schemeClr>
+              </a:lnRef>
+              <a:fillRef idx="1">
+                <a:schemeClr val="accent1"/>
+              </a:fillRef>
+              <a:effectRef idx="0">
+                <a:schemeClr val="accent1"/>
+              </a:effectRef>
+              <a:fontRef idx="minor">
+                <a:schemeClr val="lt1"/>
+              </a:fontRef>
+            </p:style>
+            <p:txBody>
+              <a:bodyPr rtlCol="0" anchor="ctr"/>
+              <a:lstStyle/>
+              <a:p>
+                <a:pPr algn="ctr"/>
+                <a:endParaRPr lang="en-US"/>
+              </a:p>
+            </p:txBody>
+          </p:sp>
+          <p:sp>
+            <p:nvSpPr>
+              <p:cNvPr id="60" name="Isosceles Triangle 59"/>
+              <p:cNvSpPr/>
+              <p:nvPr/>
+            </p:nvSpPr>
+            <p:spPr>
+              <a:xfrm flipV="1">
+                <a:off x="3669277" y="5240583"/>
+                <a:ext cx="98322" cy="491613"/>
+              </a:xfrm>
+              <a:prstGeom prst="triangle">
+                <a:avLst/>
+              </a:prstGeom>
+              <a:solidFill>
+                <a:schemeClr val="tx1"/>
+              </a:solidFill>
+              <a:ln>
+                <a:solidFill>
+                  <a:schemeClr val="tx1"/>
+                </a:solidFill>
+              </a:ln>
+            </p:spPr>
+            <p:style>
+              <a:lnRef idx="2">
+                <a:schemeClr val="accent1">
+                  <a:shade val="50000"/>
+                </a:schemeClr>
+              </a:lnRef>
+              <a:fillRef idx="1">
+                <a:schemeClr val="accent1"/>
+              </a:fillRef>
+              <a:effectRef idx="0">
+                <a:schemeClr val="accent1"/>
+              </a:effectRef>
+              <a:fontRef idx="minor">
+                <a:schemeClr val="lt1"/>
+              </a:fontRef>
+            </p:style>
+            <p:txBody>
+              <a:bodyPr rtlCol="0" anchor="ctr"/>
+              <a:lstStyle/>
+              <a:p>
+                <a:pPr algn="ctr"/>
+                <a:endParaRPr lang="en-US"/>
               </a:p>
             </p:txBody>
           </p:sp>
         </p:grpSp>
         <p:sp>
           <p:nvSpPr>
-            <p:cNvPr id="34" name="Cross 33"/>
+            <p:cNvPr id="58" name="Rectangle 57"/>
             <p:cNvSpPr/>
             <p:nvPr/>
           </p:nvSpPr>
           <p:spPr>
             <a:xfrm>
-              <a:off x="6538326" y="7933948"/>
-              <a:ext cx="228600" cy="213289"/>
+              <a:off x="3387012" y="3777876"/>
+              <a:ext cx="1133700" cy="104176"/>
             </a:xfrm>
-            <a:prstGeom prst="plus">
+            <a:prstGeom prst="rect">
               <a:avLst/>
             </a:prstGeom>
             <a:solidFill>
-              <a:srgbClr val="FFFF00"/>
+              <a:srgbClr val="FF0000"/>
             </a:solidFill>
-            <a:ln>
-              <a:noFill/>
-            </a:ln>
+          </p:spPr>
+          <p:style>
+            <a:lnRef idx="2">
+              <a:schemeClr val="accent1">
+                <a:shade val="50000"/>
+              </a:schemeClr>
+            </a:lnRef>
+            <a:fillRef idx="1">
+              <a:schemeClr val="accent1"/>
+            </a:fillRef>
+            <a:effectRef idx="0">
+              <a:schemeClr val="accent1"/>
+            </a:effectRef>
+            <a:fontRef idx="minor">
+              <a:schemeClr val="lt1"/>
+            </a:fontRef>
+          </p:style>
+          <p:txBody>
+            <a:bodyPr rtlCol="0" anchor="ctr"/>
+            <a:lstStyle/>
+            <a:p>
+              <a:pPr algn="ctr"/>
+              <a:endParaRPr lang="en-US"/>
+            </a:p>
+          </p:txBody>
+        </p:sp>
+      </p:grpSp>
+      <p:sp>
+        <p:nvSpPr>
+          <p:cNvPr id="2" name="Rectangle 1"/>
+          <p:cNvSpPr/>
+          <p:nvPr/>
+        </p:nvSpPr>
+        <p:spPr>
+          <a:xfrm>
+            <a:off x="8240785" y="1759920"/>
+            <a:ext cx="228159" cy="552665"/>
+          </a:xfrm>
+          <a:prstGeom prst="rect">
+            <a:avLst/>
+          </a:prstGeom>
+          <a:solidFill>
+            <a:schemeClr val="accent2">
+              <a:lumMod val="75000"/>
+            </a:schemeClr>
+          </a:solidFill>
+          <a:ln>
+            <a:solidFill>
+              <a:schemeClr val="tx1"/>
+            </a:solidFill>
+          </a:ln>
+        </p:spPr>
+        <p:style>
+          <a:lnRef idx="2">
+            <a:schemeClr val="accent1">
+              <a:shade val="50000"/>
+            </a:schemeClr>
+          </a:lnRef>
+          <a:fillRef idx="1">
+            <a:schemeClr val="accent1"/>
+          </a:fillRef>
+          <a:effectRef idx="0">
+            <a:schemeClr val="accent1"/>
+          </a:effectRef>
+          <a:fontRef idx="minor">
+            <a:schemeClr val="lt1"/>
+          </a:fontRef>
+        </p:style>
+        <p:txBody>
+          <a:bodyPr rtlCol="0" anchor="ctr"/>
+          <a:lstStyle/>
+          <a:p>
+            <a:pPr algn="ctr"/>
+            <a:endParaRPr lang="en-US"/>
+          </a:p>
+        </p:txBody>
+      </p:sp>
+      <p:sp>
+        <p:nvSpPr>
+          <p:cNvPr id="67" name="Rectangle 66"/>
+          <p:cNvSpPr/>
+          <p:nvPr/>
+        </p:nvSpPr>
+        <p:spPr>
+          <a:xfrm>
+            <a:off x="1420938" y="7520923"/>
+            <a:ext cx="228159" cy="552665"/>
+          </a:xfrm>
+          <a:prstGeom prst="rect">
+            <a:avLst/>
+          </a:prstGeom>
+          <a:solidFill>
+            <a:schemeClr val="accent2">
+              <a:lumMod val="75000"/>
+            </a:schemeClr>
+          </a:solidFill>
+          <a:ln>
+            <a:solidFill>
+              <a:schemeClr val="tx1"/>
+            </a:solidFill>
+          </a:ln>
+        </p:spPr>
+        <p:style>
+          <a:lnRef idx="2">
+            <a:schemeClr val="accent1">
+              <a:shade val="50000"/>
+            </a:schemeClr>
+          </a:lnRef>
+          <a:fillRef idx="1">
+            <a:schemeClr val="accent1"/>
+          </a:fillRef>
+          <a:effectRef idx="0">
+            <a:schemeClr val="accent1"/>
+          </a:effectRef>
+          <a:fontRef idx="minor">
+            <a:schemeClr val="lt1"/>
+          </a:fontRef>
+        </p:style>
+        <p:txBody>
+          <a:bodyPr rtlCol="0" anchor="ctr"/>
+          <a:lstStyle/>
+          <a:p>
+            <a:pPr algn="ctr"/>
+            <a:endParaRPr lang="en-US"/>
+          </a:p>
+        </p:txBody>
+      </p:sp>
+      <p:sp>
+        <p:nvSpPr>
+          <p:cNvPr id="68" name="Donut 67"/>
+          <p:cNvSpPr>
+            <a:spLocks noChangeAspect="1"/>
+          </p:cNvSpPr>
+          <p:nvPr/>
+        </p:nvSpPr>
+        <p:spPr>
+          <a:xfrm>
+            <a:off x="3465076" y="7588422"/>
+            <a:ext cx="427876" cy="427876"/>
+          </a:xfrm>
+          <a:prstGeom prst="donut">
+            <a:avLst/>
+          </a:prstGeom>
+          <a:solidFill>
+            <a:srgbClr val="7030A0"/>
+          </a:solidFill>
+          <a:ln>
+            <a:solidFill>
+              <a:schemeClr val="tx1"/>
+            </a:solidFill>
+          </a:ln>
+        </p:spPr>
+        <p:style>
+          <a:lnRef idx="2">
+            <a:schemeClr val="accent1">
+              <a:shade val="50000"/>
+            </a:schemeClr>
+          </a:lnRef>
+          <a:fillRef idx="1">
+            <a:schemeClr val="accent1"/>
+          </a:fillRef>
+          <a:effectRef idx="0">
+            <a:schemeClr val="accent1"/>
+          </a:effectRef>
+          <a:fontRef idx="minor">
+            <a:schemeClr val="lt1"/>
+          </a:fontRef>
+        </p:style>
+        <p:txBody>
+          <a:bodyPr rtlCol="0" anchor="ctr"/>
+          <a:lstStyle/>
+          <a:p>
+            <a:pPr algn="ctr"/>
+            <a:endParaRPr lang="en-US" sz="2040">
+              <a:solidFill>
+                <a:schemeClr val="tx1"/>
+              </a:solidFill>
+            </a:endParaRPr>
+          </a:p>
+        </p:txBody>
+      </p:sp>
+      <p:grpSp>
+        <p:nvGrpSpPr>
+          <p:cNvPr id="69" name="Group 68"/>
+          <p:cNvGrpSpPr/>
+          <p:nvPr/>
+        </p:nvGrpSpPr>
+        <p:grpSpPr>
+          <a:xfrm>
+            <a:off x="5334986" y="7503965"/>
+            <a:ext cx="753219" cy="539161"/>
+            <a:chOff x="2504255" y="2959892"/>
+            <a:chExt cx="2875742" cy="1960174"/>
+          </a:xfrm>
+        </p:grpSpPr>
+        <p:pic>
+          <p:nvPicPr>
+            <p:cNvPr id="70" name="Picture 2" descr="https://cdn0.iconfinder.com/data/icons/drone-applications/512/cargo_drone-512.png"/>
+            <p:cNvPicPr>
+              <a:picLocks noChangeAspect="1" noChangeArrowheads="1"/>
+            </p:cNvPicPr>
+            <p:nvPr/>
+          </p:nvPicPr>
+          <p:blipFill rotWithShape="1">
+            <a:blip r:embed="rId5" cstate="print">
+              <a:extLst>
+                <a:ext uri="{28A0092B-C50C-407E-A947-70E740481C1C}">
+                  <a14:useLocalDpi xmlns:a14="http://schemas.microsoft.com/office/drawing/2010/main" val="0"/>
+                </a:ext>
+              </a:extLst>
+            </a:blip>
+            <a:srcRect t="21733" b="20858"/>
+            <a:stretch/>
+          </p:blipFill>
+          <p:spPr bwMode="auto">
+            <a:xfrm>
+              <a:off x="2504255" y="2959892"/>
+              <a:ext cx="2875742" cy="1650935"/>
+            </a:xfrm>
+            <a:prstGeom prst="rect">
+              <a:avLst/>
+            </a:prstGeom>
+            <a:noFill/>
+            <a:extLst>
+              <a:ext uri="{909E8E84-426E-40DD-AFC4-6F175D3DCCD1}">
+                <a14:hiddenFill xmlns:a14="http://schemas.microsoft.com/office/drawing/2010/main">
+                  <a:solidFill>
+                    <a:srgbClr val="FFFFFF"/>
+                  </a:solidFill>
+                </a14:hiddenFill>
+              </a:ext>
+            </a:extLst>
+          </p:spPr>
+        </p:pic>
+        <p:grpSp>
+          <p:nvGrpSpPr>
+            <p:cNvPr id="71" name="Group 70"/>
+            <p:cNvGrpSpPr/>
+            <p:nvPr/>
+          </p:nvGrpSpPr>
+          <p:grpSpPr>
+            <a:xfrm>
+              <a:off x="3354646" y="3907343"/>
+              <a:ext cx="294968" cy="1012723"/>
+              <a:chOff x="3570954" y="4719473"/>
+              <a:chExt cx="294968" cy="1012723"/>
+            </a:xfrm>
+          </p:grpSpPr>
+          <p:sp>
+            <p:nvSpPr>
+              <p:cNvPr id="82" name="Rounded Rectangle 81"/>
+              <p:cNvSpPr/>
+              <p:nvPr/>
+            </p:nvSpPr>
+            <p:spPr>
+              <a:xfrm>
+                <a:off x="3570954" y="4719473"/>
+                <a:ext cx="294968" cy="521110"/>
+              </a:xfrm>
+              <a:prstGeom prst="roundRect">
+                <a:avLst/>
+              </a:prstGeom>
+              <a:solidFill>
+                <a:srgbClr val="FFC000"/>
+              </a:solidFill>
+            </p:spPr>
+            <p:style>
+              <a:lnRef idx="2">
+                <a:schemeClr val="accent1">
+                  <a:shade val="50000"/>
+                </a:schemeClr>
+              </a:lnRef>
+              <a:fillRef idx="1">
+                <a:schemeClr val="accent1"/>
+              </a:fillRef>
+              <a:effectRef idx="0">
+                <a:schemeClr val="accent1"/>
+              </a:effectRef>
+              <a:fontRef idx="minor">
+                <a:schemeClr val="lt1"/>
+              </a:fontRef>
+            </p:style>
+            <p:txBody>
+              <a:bodyPr rtlCol="0" anchor="ctr"/>
+              <a:lstStyle/>
+              <a:p>
+                <a:pPr algn="ctr"/>
+                <a:endParaRPr lang="en-US"/>
+              </a:p>
+            </p:txBody>
+          </p:sp>
+          <p:sp>
+            <p:nvSpPr>
+              <p:cNvPr id="83" name="Isosceles Triangle 82"/>
+              <p:cNvSpPr/>
+              <p:nvPr/>
+            </p:nvSpPr>
+            <p:spPr>
+              <a:xfrm flipV="1">
+                <a:off x="3669277" y="5240583"/>
+                <a:ext cx="98322" cy="491613"/>
+              </a:xfrm>
+              <a:prstGeom prst="triangle">
+                <a:avLst/>
+              </a:prstGeom>
+              <a:solidFill>
+                <a:schemeClr val="tx1"/>
+              </a:solidFill>
+              <a:ln>
+                <a:solidFill>
+                  <a:schemeClr val="tx1"/>
+                </a:solidFill>
+              </a:ln>
+            </p:spPr>
+            <p:style>
+              <a:lnRef idx="2">
+                <a:schemeClr val="accent1">
+                  <a:shade val="50000"/>
+                </a:schemeClr>
+              </a:lnRef>
+              <a:fillRef idx="1">
+                <a:schemeClr val="accent1"/>
+              </a:fillRef>
+              <a:effectRef idx="0">
+                <a:schemeClr val="accent1"/>
+              </a:effectRef>
+              <a:fontRef idx="minor">
+                <a:schemeClr val="lt1"/>
+              </a:fontRef>
+            </p:style>
+            <p:txBody>
+              <a:bodyPr rtlCol="0" anchor="ctr"/>
+              <a:lstStyle/>
+              <a:p>
+                <a:pPr algn="ctr"/>
+                <a:endParaRPr lang="en-US"/>
+              </a:p>
+            </p:txBody>
+          </p:sp>
+        </p:grpSp>
+        <p:grpSp>
+          <p:nvGrpSpPr>
+            <p:cNvPr id="72" name="Group 71"/>
+            <p:cNvGrpSpPr/>
+            <p:nvPr/>
+          </p:nvGrpSpPr>
+          <p:grpSpPr>
+            <a:xfrm>
+              <a:off x="3644106" y="3901702"/>
+              <a:ext cx="294968" cy="1012723"/>
+              <a:chOff x="3570954" y="4719473"/>
+              <a:chExt cx="294968" cy="1012723"/>
+            </a:xfrm>
+          </p:grpSpPr>
+          <p:sp>
+            <p:nvSpPr>
+              <p:cNvPr id="80" name="Rounded Rectangle 79"/>
+              <p:cNvSpPr/>
+              <p:nvPr/>
+            </p:nvSpPr>
+            <p:spPr>
+              <a:xfrm>
+                <a:off x="3570954" y="4719473"/>
+                <a:ext cx="294968" cy="521110"/>
+              </a:xfrm>
+              <a:prstGeom prst="roundRect">
+                <a:avLst/>
+              </a:prstGeom>
+              <a:solidFill>
+                <a:srgbClr val="FFC000"/>
+              </a:solidFill>
+            </p:spPr>
+            <p:style>
+              <a:lnRef idx="2">
+                <a:schemeClr val="accent1">
+                  <a:shade val="50000"/>
+                </a:schemeClr>
+              </a:lnRef>
+              <a:fillRef idx="1">
+                <a:schemeClr val="accent1"/>
+              </a:fillRef>
+              <a:effectRef idx="0">
+                <a:schemeClr val="accent1"/>
+              </a:effectRef>
+              <a:fontRef idx="minor">
+                <a:schemeClr val="lt1"/>
+              </a:fontRef>
+            </p:style>
+            <p:txBody>
+              <a:bodyPr rtlCol="0" anchor="ctr"/>
+              <a:lstStyle/>
+              <a:p>
+                <a:pPr algn="ctr"/>
+                <a:endParaRPr lang="en-US"/>
+              </a:p>
+            </p:txBody>
+          </p:sp>
+          <p:sp>
+            <p:nvSpPr>
+              <p:cNvPr id="81" name="Isosceles Triangle 80"/>
+              <p:cNvSpPr/>
+              <p:nvPr/>
+            </p:nvSpPr>
+            <p:spPr>
+              <a:xfrm flipV="1">
+                <a:off x="3669277" y="5240583"/>
+                <a:ext cx="98322" cy="491613"/>
+              </a:xfrm>
+              <a:prstGeom prst="triangle">
+                <a:avLst/>
+              </a:prstGeom>
+              <a:solidFill>
+                <a:schemeClr val="tx1"/>
+              </a:solidFill>
+              <a:ln>
+                <a:solidFill>
+                  <a:schemeClr val="tx1"/>
+                </a:solidFill>
+              </a:ln>
+            </p:spPr>
+            <p:style>
+              <a:lnRef idx="2">
+                <a:schemeClr val="accent1">
+                  <a:shade val="50000"/>
+                </a:schemeClr>
+              </a:lnRef>
+              <a:fillRef idx="1">
+                <a:schemeClr val="accent1"/>
+              </a:fillRef>
+              <a:effectRef idx="0">
+                <a:schemeClr val="accent1"/>
+              </a:effectRef>
+              <a:fontRef idx="minor">
+                <a:schemeClr val="lt1"/>
+              </a:fontRef>
+            </p:style>
+            <p:txBody>
+              <a:bodyPr rtlCol="0" anchor="ctr"/>
+              <a:lstStyle/>
+              <a:p>
+                <a:pPr algn="ctr"/>
+                <a:endParaRPr lang="en-US"/>
+              </a:p>
+            </p:txBody>
+          </p:sp>
+        </p:grpSp>
+        <p:grpSp>
+          <p:nvGrpSpPr>
+            <p:cNvPr id="73" name="Group 72"/>
+            <p:cNvGrpSpPr/>
+            <p:nvPr/>
+          </p:nvGrpSpPr>
+          <p:grpSpPr>
+            <a:xfrm>
+              <a:off x="3944783" y="3894772"/>
+              <a:ext cx="294968" cy="1012723"/>
+              <a:chOff x="3570954" y="4719473"/>
+              <a:chExt cx="294968" cy="1012723"/>
+            </a:xfrm>
+          </p:grpSpPr>
+          <p:sp>
+            <p:nvSpPr>
+              <p:cNvPr id="78" name="Rounded Rectangle 77"/>
+              <p:cNvSpPr/>
+              <p:nvPr/>
+            </p:nvSpPr>
+            <p:spPr>
+              <a:xfrm>
+                <a:off x="3570954" y="4719473"/>
+                <a:ext cx="294968" cy="521110"/>
+              </a:xfrm>
+              <a:prstGeom prst="roundRect">
+                <a:avLst/>
+              </a:prstGeom>
+              <a:solidFill>
+                <a:srgbClr val="FFC000"/>
+              </a:solidFill>
+            </p:spPr>
+            <p:style>
+              <a:lnRef idx="2">
+                <a:schemeClr val="accent1">
+                  <a:shade val="50000"/>
+                </a:schemeClr>
+              </a:lnRef>
+              <a:fillRef idx="1">
+                <a:schemeClr val="accent1"/>
+              </a:fillRef>
+              <a:effectRef idx="0">
+                <a:schemeClr val="accent1"/>
+              </a:effectRef>
+              <a:fontRef idx="minor">
+                <a:schemeClr val="lt1"/>
+              </a:fontRef>
+            </p:style>
+            <p:txBody>
+              <a:bodyPr rtlCol="0" anchor="ctr"/>
+              <a:lstStyle/>
+              <a:p>
+                <a:pPr algn="ctr"/>
+                <a:endParaRPr lang="en-US"/>
+              </a:p>
+            </p:txBody>
+          </p:sp>
+          <p:sp>
+            <p:nvSpPr>
+              <p:cNvPr id="79" name="Isosceles Triangle 78"/>
+              <p:cNvSpPr/>
+              <p:nvPr/>
+            </p:nvSpPr>
+            <p:spPr>
+              <a:xfrm flipV="1">
+                <a:off x="3669277" y="5240583"/>
+                <a:ext cx="98322" cy="491613"/>
+              </a:xfrm>
+              <a:prstGeom prst="triangle">
+                <a:avLst/>
+              </a:prstGeom>
+              <a:solidFill>
+                <a:schemeClr val="tx1"/>
+              </a:solidFill>
+              <a:ln>
+                <a:solidFill>
+                  <a:schemeClr val="tx1"/>
+                </a:solidFill>
+              </a:ln>
+            </p:spPr>
+            <p:style>
+              <a:lnRef idx="2">
+                <a:schemeClr val="accent1">
+                  <a:shade val="50000"/>
+                </a:schemeClr>
+              </a:lnRef>
+              <a:fillRef idx="1">
+                <a:schemeClr val="accent1"/>
+              </a:fillRef>
+              <a:effectRef idx="0">
+                <a:schemeClr val="accent1"/>
+              </a:effectRef>
+              <a:fontRef idx="minor">
+                <a:schemeClr val="lt1"/>
+              </a:fontRef>
+            </p:style>
+            <p:txBody>
+              <a:bodyPr rtlCol="0" anchor="ctr"/>
+              <a:lstStyle/>
+              <a:p>
+                <a:pPr algn="ctr"/>
+                <a:endParaRPr lang="en-US"/>
+              </a:p>
+            </p:txBody>
+          </p:sp>
+        </p:grpSp>
+        <p:grpSp>
+          <p:nvGrpSpPr>
+            <p:cNvPr id="74" name="Group 73"/>
+            <p:cNvGrpSpPr/>
+            <p:nvPr/>
+          </p:nvGrpSpPr>
+          <p:grpSpPr>
+            <a:xfrm>
+              <a:off x="4225744" y="3894680"/>
+              <a:ext cx="294968" cy="1012723"/>
+              <a:chOff x="3570954" y="4719473"/>
+              <a:chExt cx="294968" cy="1012723"/>
+            </a:xfrm>
+          </p:grpSpPr>
+          <p:sp>
+            <p:nvSpPr>
+              <p:cNvPr id="76" name="Rounded Rectangle 75"/>
+              <p:cNvSpPr/>
+              <p:nvPr/>
+            </p:nvSpPr>
+            <p:spPr>
+              <a:xfrm>
+                <a:off x="3570954" y="4719473"/>
+                <a:ext cx="294968" cy="521110"/>
+              </a:xfrm>
+              <a:prstGeom prst="roundRect">
+                <a:avLst/>
+              </a:prstGeom>
+              <a:solidFill>
+                <a:srgbClr val="FFC000"/>
+              </a:solidFill>
+            </p:spPr>
+            <p:style>
+              <a:lnRef idx="2">
+                <a:schemeClr val="accent1">
+                  <a:shade val="50000"/>
+                </a:schemeClr>
+              </a:lnRef>
+              <a:fillRef idx="1">
+                <a:schemeClr val="accent1"/>
+              </a:fillRef>
+              <a:effectRef idx="0">
+                <a:schemeClr val="accent1"/>
+              </a:effectRef>
+              <a:fontRef idx="minor">
+                <a:schemeClr val="lt1"/>
+              </a:fontRef>
+            </p:style>
+            <p:txBody>
+              <a:bodyPr rtlCol="0" anchor="ctr"/>
+              <a:lstStyle/>
+              <a:p>
+                <a:pPr algn="ctr"/>
+                <a:endParaRPr lang="en-US"/>
+              </a:p>
+            </p:txBody>
+          </p:sp>
+          <p:sp>
+            <p:nvSpPr>
+              <p:cNvPr id="77" name="Isosceles Triangle 76"/>
+              <p:cNvSpPr/>
+              <p:nvPr/>
+            </p:nvSpPr>
+            <p:spPr>
+              <a:xfrm flipV="1">
+                <a:off x="3669277" y="5240583"/>
+                <a:ext cx="98322" cy="491613"/>
+              </a:xfrm>
+              <a:prstGeom prst="triangle">
+                <a:avLst/>
+              </a:prstGeom>
+              <a:solidFill>
+                <a:schemeClr val="tx1"/>
+              </a:solidFill>
+              <a:ln>
+                <a:solidFill>
+                  <a:schemeClr val="tx1"/>
+                </a:solidFill>
+              </a:ln>
+            </p:spPr>
+            <p:style>
+              <a:lnRef idx="2">
+                <a:schemeClr val="accent1">
+                  <a:shade val="50000"/>
+                </a:schemeClr>
+              </a:lnRef>
+              <a:fillRef idx="1">
+                <a:schemeClr val="accent1"/>
+              </a:fillRef>
+              <a:effectRef idx="0">
+                <a:schemeClr val="accent1"/>
+              </a:effectRef>
+              <a:fontRef idx="minor">
+                <a:schemeClr val="lt1"/>
+              </a:fontRef>
+            </p:style>
+            <p:txBody>
+              <a:bodyPr rtlCol="0" anchor="ctr"/>
+              <a:lstStyle/>
+              <a:p>
+                <a:pPr algn="ctr"/>
+                <a:endParaRPr lang="en-US"/>
+              </a:p>
+            </p:txBody>
+          </p:sp>
+        </p:grpSp>
+        <p:sp>
+          <p:nvSpPr>
+            <p:cNvPr id="75" name="Rectangle 74"/>
+            <p:cNvSpPr/>
+            <p:nvPr/>
+          </p:nvSpPr>
+          <p:spPr>
+            <a:xfrm>
+              <a:off x="3387012" y="3777876"/>
+              <a:ext cx="1133700" cy="104176"/>
+            </a:xfrm>
+            <a:prstGeom prst="rect">
+              <a:avLst/>
+            </a:prstGeom>
+            <a:solidFill>
+              <a:srgbClr val="FF0000"/>
+            </a:solidFill>
+          </p:spPr>
+          <p:style>
+            <a:lnRef idx="2">
+              <a:schemeClr val="accent1">
+                <a:shade val="50000"/>
+              </a:schemeClr>
+            </a:lnRef>
+            <a:fillRef idx="1">
+              <a:schemeClr val="accent1"/>
+            </a:fillRef>
+            <a:effectRef idx="0">
+              <a:schemeClr val="accent1"/>
+            </a:effectRef>
+            <a:fontRef idx="minor">
+              <a:schemeClr val="lt1"/>
+            </a:fontRef>
+          </p:style>
+          <p:txBody>
+            <a:bodyPr rtlCol="0" anchor="ctr"/>
+            <a:lstStyle/>
+            <a:p>
+              <a:pPr algn="ctr"/>
+              <a:endParaRPr lang="en-US"/>
+            </a:p>
+          </p:txBody>
+        </p:sp>
+      </p:grpSp>
+      <p:grpSp>
+        <p:nvGrpSpPr>
+          <p:cNvPr id="84" name="Group 83"/>
+          <p:cNvGrpSpPr/>
+          <p:nvPr/>
+        </p:nvGrpSpPr>
+        <p:grpSpPr>
+          <a:xfrm>
+            <a:off x="8197757" y="6105554"/>
+            <a:ext cx="290672" cy="754795"/>
+            <a:chOff x="6728184" y="4709640"/>
+            <a:chExt cx="294968" cy="1012723"/>
+          </a:xfrm>
+        </p:grpSpPr>
+        <p:sp>
+          <p:nvSpPr>
+            <p:cNvPr id="85" name="Rounded Rectangle 84"/>
+            <p:cNvSpPr/>
+            <p:nvPr/>
+          </p:nvSpPr>
+          <p:spPr>
+            <a:xfrm>
+              <a:off x="6728184" y="4709640"/>
+              <a:ext cx="294968" cy="521110"/>
+            </a:xfrm>
+            <a:prstGeom prst="roundRect">
+              <a:avLst/>
+            </a:prstGeom>
+            <a:solidFill>
+              <a:srgbClr val="FFC000"/>
+            </a:solidFill>
           </p:spPr>
           <p:style>
             <a:lnRef idx="2">
@@ -4083,23 +5400,343 @@
         </p:sp>
         <p:sp>
           <p:nvSpPr>
-            <p:cNvPr id="35" name="Isosceles Triangle 34"/>
+            <p:cNvPr id="86" name="Isosceles Triangle 85"/>
+            <p:cNvSpPr/>
+            <p:nvPr/>
+          </p:nvSpPr>
+          <p:spPr>
+            <a:xfrm flipV="1">
+              <a:off x="6826507" y="5230750"/>
+              <a:ext cx="98322" cy="491613"/>
+            </a:xfrm>
+            <a:prstGeom prst="triangle">
+              <a:avLst/>
+            </a:prstGeom>
+            <a:solidFill>
+              <a:schemeClr val="tx1"/>
+            </a:solidFill>
+            <a:ln>
+              <a:solidFill>
+                <a:schemeClr val="tx1"/>
+              </a:solidFill>
+            </a:ln>
+          </p:spPr>
+          <p:style>
+            <a:lnRef idx="2">
+              <a:schemeClr val="accent1">
+                <a:shade val="50000"/>
+              </a:schemeClr>
+            </a:lnRef>
+            <a:fillRef idx="1">
+              <a:schemeClr val="accent1"/>
+            </a:fillRef>
+            <a:effectRef idx="0">
+              <a:schemeClr val="accent1"/>
+            </a:effectRef>
+            <a:fontRef idx="minor">
+              <a:schemeClr val="lt1"/>
+            </a:fontRef>
+          </p:style>
+          <p:txBody>
+            <a:bodyPr rtlCol="0" anchor="ctr"/>
+            <a:lstStyle/>
+            <a:p>
+              <a:pPr algn="ctr"/>
+              <a:endParaRPr lang="en-US"/>
+            </a:p>
+          </p:txBody>
+        </p:sp>
+      </p:grpSp>
+      <p:grpSp>
+        <p:nvGrpSpPr>
+          <p:cNvPr id="87" name="Group 86"/>
+          <p:cNvGrpSpPr/>
+          <p:nvPr/>
+        </p:nvGrpSpPr>
+        <p:grpSpPr>
+          <a:xfrm>
+            <a:off x="8204025" y="4198309"/>
+            <a:ext cx="290672" cy="754795"/>
+            <a:chOff x="6728184" y="4709640"/>
+            <a:chExt cx="294968" cy="1012723"/>
+          </a:xfrm>
+        </p:grpSpPr>
+        <p:sp>
+          <p:nvSpPr>
+            <p:cNvPr id="88" name="Rounded Rectangle 87"/>
             <p:cNvSpPr/>
             <p:nvPr/>
           </p:nvSpPr>
           <p:spPr>
             <a:xfrm>
-              <a:off x="183693" y="7897716"/>
-              <a:ext cx="228600" cy="228600"/>
+              <a:off x="6728184" y="4709640"/>
+              <a:ext cx="294968" cy="521110"/>
+            </a:xfrm>
+            <a:prstGeom prst="roundRect">
+              <a:avLst/>
+            </a:prstGeom>
+            <a:solidFill>
+              <a:srgbClr val="FF0000"/>
+            </a:solidFill>
+          </p:spPr>
+          <p:style>
+            <a:lnRef idx="2">
+              <a:schemeClr val="accent1">
+                <a:shade val="50000"/>
+              </a:schemeClr>
+            </a:lnRef>
+            <a:fillRef idx="1">
+              <a:schemeClr val="accent1"/>
+            </a:fillRef>
+            <a:effectRef idx="0">
+              <a:schemeClr val="accent1"/>
+            </a:effectRef>
+            <a:fontRef idx="minor">
+              <a:schemeClr val="lt1"/>
+            </a:fontRef>
+          </p:style>
+          <p:txBody>
+            <a:bodyPr rtlCol="0" anchor="ctr"/>
+            <a:lstStyle/>
+            <a:p>
+              <a:pPr algn="ctr"/>
+              <a:endParaRPr lang="en-US"/>
+            </a:p>
+          </p:txBody>
+        </p:sp>
+        <p:sp>
+          <p:nvSpPr>
+            <p:cNvPr id="89" name="Isosceles Triangle 88"/>
+            <p:cNvSpPr/>
+            <p:nvPr/>
+          </p:nvSpPr>
+          <p:spPr>
+            <a:xfrm flipV="1">
+              <a:off x="6826507" y="5230750"/>
+              <a:ext cx="98322" cy="491613"/>
             </a:xfrm>
             <a:prstGeom prst="triangle">
               <a:avLst/>
             </a:prstGeom>
             <a:solidFill>
-              <a:srgbClr val="00B050"/>
+              <a:schemeClr val="tx1"/>
             </a:solidFill>
             <a:ln>
-              <a:noFill/>
+              <a:solidFill>
+                <a:schemeClr val="tx1"/>
+              </a:solidFill>
+            </a:ln>
+          </p:spPr>
+          <p:style>
+            <a:lnRef idx="2">
+              <a:schemeClr val="accent1">
+                <a:shade val="50000"/>
+              </a:schemeClr>
+            </a:lnRef>
+            <a:fillRef idx="1">
+              <a:schemeClr val="accent1"/>
+            </a:fillRef>
+            <a:effectRef idx="0">
+              <a:schemeClr val="accent1"/>
+            </a:effectRef>
+            <a:fontRef idx="minor">
+              <a:schemeClr val="lt1"/>
+            </a:fontRef>
+          </p:style>
+          <p:txBody>
+            <a:bodyPr rtlCol="0" anchor="ctr"/>
+            <a:lstStyle/>
+            <a:p>
+              <a:pPr algn="ctr"/>
+              <a:endParaRPr lang="en-US"/>
+            </a:p>
+          </p:txBody>
+        </p:sp>
+      </p:grpSp>
+      <p:grpSp>
+        <p:nvGrpSpPr>
+          <p:cNvPr id="90" name="Group 89"/>
+          <p:cNvGrpSpPr/>
+          <p:nvPr/>
+        </p:nvGrpSpPr>
+        <p:grpSpPr>
+          <a:xfrm>
+            <a:off x="77362" y="7400781"/>
+            <a:ext cx="290672" cy="754795"/>
+            <a:chOff x="6728184" y="4709640"/>
+            <a:chExt cx="294968" cy="1012723"/>
+          </a:xfrm>
+        </p:grpSpPr>
+        <p:sp>
+          <p:nvSpPr>
+            <p:cNvPr id="91" name="Rounded Rectangle 90"/>
+            <p:cNvSpPr/>
+            <p:nvPr/>
+          </p:nvSpPr>
+          <p:spPr>
+            <a:xfrm>
+              <a:off x="6728184" y="4709640"/>
+              <a:ext cx="294968" cy="521110"/>
+            </a:xfrm>
+            <a:prstGeom prst="roundRect">
+              <a:avLst/>
+            </a:prstGeom>
+            <a:solidFill>
+              <a:srgbClr val="FFC000"/>
+            </a:solidFill>
+          </p:spPr>
+          <p:style>
+            <a:lnRef idx="2">
+              <a:schemeClr val="accent1">
+                <a:shade val="50000"/>
+              </a:schemeClr>
+            </a:lnRef>
+            <a:fillRef idx="1">
+              <a:schemeClr val="accent1"/>
+            </a:fillRef>
+            <a:effectRef idx="0">
+              <a:schemeClr val="accent1"/>
+            </a:effectRef>
+            <a:fontRef idx="minor">
+              <a:schemeClr val="lt1"/>
+            </a:fontRef>
+          </p:style>
+          <p:txBody>
+            <a:bodyPr rtlCol="0" anchor="ctr"/>
+            <a:lstStyle/>
+            <a:p>
+              <a:pPr algn="ctr"/>
+              <a:endParaRPr lang="en-US"/>
+            </a:p>
+          </p:txBody>
+        </p:sp>
+        <p:sp>
+          <p:nvSpPr>
+            <p:cNvPr id="92" name="Isosceles Triangle 91"/>
+            <p:cNvSpPr/>
+            <p:nvPr/>
+          </p:nvSpPr>
+          <p:spPr>
+            <a:xfrm flipV="1">
+              <a:off x="6826507" y="5230750"/>
+              <a:ext cx="98322" cy="491613"/>
+            </a:xfrm>
+            <a:prstGeom prst="triangle">
+              <a:avLst/>
+            </a:prstGeom>
+            <a:solidFill>
+              <a:schemeClr val="tx1"/>
+            </a:solidFill>
+            <a:ln>
+              <a:solidFill>
+                <a:schemeClr val="tx1"/>
+              </a:solidFill>
+            </a:ln>
+          </p:spPr>
+          <p:style>
+            <a:lnRef idx="2">
+              <a:schemeClr val="accent1">
+                <a:shade val="50000"/>
+              </a:schemeClr>
+            </a:lnRef>
+            <a:fillRef idx="1">
+              <a:schemeClr val="accent1"/>
+            </a:fillRef>
+            <a:effectRef idx="0">
+              <a:schemeClr val="accent1"/>
+            </a:effectRef>
+            <a:fontRef idx="minor">
+              <a:schemeClr val="lt1"/>
+            </a:fontRef>
+          </p:style>
+          <p:txBody>
+            <a:bodyPr rtlCol="0" anchor="ctr"/>
+            <a:lstStyle/>
+            <a:p>
+              <a:pPr algn="ctr"/>
+              <a:endParaRPr lang="en-US"/>
+            </a:p>
+          </p:txBody>
+        </p:sp>
+      </p:grpSp>
+      <p:grpSp>
+        <p:nvGrpSpPr>
+          <p:cNvPr id="93" name="Group 92"/>
+          <p:cNvGrpSpPr/>
+          <p:nvPr/>
+        </p:nvGrpSpPr>
+        <p:grpSpPr>
+          <a:xfrm>
+            <a:off x="6581632" y="7397279"/>
+            <a:ext cx="290672" cy="754795"/>
+            <a:chOff x="6728184" y="4709640"/>
+            <a:chExt cx="294968" cy="1012723"/>
+          </a:xfrm>
+        </p:grpSpPr>
+        <p:sp>
+          <p:nvSpPr>
+            <p:cNvPr id="94" name="Rounded Rectangle 93"/>
+            <p:cNvSpPr/>
+            <p:nvPr/>
+          </p:nvSpPr>
+          <p:spPr>
+            <a:xfrm>
+              <a:off x="6728184" y="4709640"/>
+              <a:ext cx="294968" cy="521110"/>
+            </a:xfrm>
+            <a:prstGeom prst="roundRect">
+              <a:avLst/>
+            </a:prstGeom>
+            <a:solidFill>
+              <a:srgbClr val="FF0000"/>
+            </a:solidFill>
+          </p:spPr>
+          <p:style>
+            <a:lnRef idx="2">
+              <a:schemeClr val="accent1">
+                <a:shade val="50000"/>
+              </a:schemeClr>
+            </a:lnRef>
+            <a:fillRef idx="1">
+              <a:schemeClr val="accent1"/>
+            </a:fillRef>
+            <a:effectRef idx="0">
+              <a:schemeClr val="accent1"/>
+            </a:effectRef>
+            <a:fontRef idx="minor">
+              <a:schemeClr val="lt1"/>
+            </a:fontRef>
+          </p:style>
+          <p:txBody>
+            <a:bodyPr rtlCol="0" anchor="ctr"/>
+            <a:lstStyle/>
+            <a:p>
+              <a:pPr algn="ctr"/>
+              <a:endParaRPr lang="en-US"/>
+            </a:p>
+          </p:txBody>
+        </p:sp>
+        <p:sp>
+          <p:nvSpPr>
+            <p:cNvPr id="95" name="Isosceles Triangle 94"/>
+            <p:cNvSpPr/>
+            <p:nvPr/>
+          </p:nvSpPr>
+          <p:spPr>
+            <a:xfrm flipV="1">
+              <a:off x="6826507" y="5230750"/>
+              <a:ext cx="98322" cy="491613"/>
+            </a:xfrm>
+            <a:prstGeom prst="triangle">
+              <a:avLst/>
+            </a:prstGeom>
+            <a:solidFill>
+              <a:schemeClr val="tx1"/>
+            </a:solidFill>
+            <a:ln>
+              <a:solidFill>
+                <a:schemeClr val="tx1"/>
+              </a:solidFill>
             </a:ln>
           </p:spPr>
           <p:style>

--- a/Seismic Drones/CASE-2016/pictures/exp11_compare.pptx
+++ b/Seismic Drones/CASE-2016/pictures/exp11_compare.pptx
@@ -243,7 +243,7 @@
           <a:p>
             <a:fld id="{00FF1D58-35E3-4346-8D3D-905652C77592}" type="datetimeFigureOut">
               <a:rPr lang="en-US" smtClean="0"/>
-              <a:t>3/8/2016</a:t>
+              <a:t>3/10/2016</a:t>
             </a:fld>
             <a:endParaRPr lang="en-US"/>
           </a:p>
@@ -413,7 +413,7 @@
           <a:p>
             <a:fld id="{00FF1D58-35E3-4346-8D3D-905652C77592}" type="datetimeFigureOut">
               <a:rPr lang="en-US" smtClean="0"/>
-              <a:t>3/8/2016</a:t>
+              <a:t>3/10/2016</a:t>
             </a:fld>
             <a:endParaRPr lang="en-US"/>
           </a:p>
@@ -593,7 +593,7 @@
           <a:p>
             <a:fld id="{00FF1D58-35E3-4346-8D3D-905652C77592}" type="datetimeFigureOut">
               <a:rPr lang="en-US" smtClean="0"/>
-              <a:t>3/8/2016</a:t>
+              <a:t>3/10/2016</a:t>
             </a:fld>
             <a:endParaRPr lang="en-US"/>
           </a:p>
@@ -763,7 +763,7 @@
           <a:p>
             <a:fld id="{00FF1D58-35E3-4346-8D3D-905652C77592}" type="datetimeFigureOut">
               <a:rPr lang="en-US" smtClean="0"/>
-              <a:t>3/8/2016</a:t>
+              <a:t>3/10/2016</a:t>
             </a:fld>
             <a:endParaRPr lang="en-US"/>
           </a:p>
@@ -1007,7 +1007,7 @@
           <a:p>
             <a:fld id="{00FF1D58-35E3-4346-8D3D-905652C77592}" type="datetimeFigureOut">
               <a:rPr lang="en-US" smtClean="0"/>
-              <a:t>3/8/2016</a:t>
+              <a:t>3/10/2016</a:t>
             </a:fld>
             <a:endParaRPr lang="en-US"/>
           </a:p>
@@ -1239,7 +1239,7 @@
           <a:p>
             <a:fld id="{00FF1D58-35E3-4346-8D3D-905652C77592}" type="datetimeFigureOut">
               <a:rPr lang="en-US" smtClean="0"/>
-              <a:t>3/8/2016</a:t>
+              <a:t>3/10/2016</a:t>
             </a:fld>
             <a:endParaRPr lang="en-US"/>
           </a:p>
@@ -1606,7 +1606,7 @@
           <a:p>
             <a:fld id="{00FF1D58-35E3-4346-8D3D-905652C77592}" type="datetimeFigureOut">
               <a:rPr lang="en-US" smtClean="0"/>
-              <a:t>3/8/2016</a:t>
+              <a:t>3/10/2016</a:t>
             </a:fld>
             <a:endParaRPr lang="en-US"/>
           </a:p>
@@ -1724,7 +1724,7 @@
           <a:p>
             <a:fld id="{00FF1D58-35E3-4346-8D3D-905652C77592}" type="datetimeFigureOut">
               <a:rPr lang="en-US" smtClean="0"/>
-              <a:t>3/8/2016</a:t>
+              <a:t>3/10/2016</a:t>
             </a:fld>
             <a:endParaRPr lang="en-US"/>
           </a:p>
@@ -1819,7 +1819,7 @@
           <a:p>
             <a:fld id="{00FF1D58-35E3-4346-8D3D-905652C77592}" type="datetimeFigureOut">
               <a:rPr lang="en-US" smtClean="0"/>
-              <a:t>3/8/2016</a:t>
+              <a:t>3/10/2016</a:t>
             </a:fld>
             <a:endParaRPr lang="en-US"/>
           </a:p>
@@ -2096,7 +2096,7 @@
           <a:p>
             <a:fld id="{00FF1D58-35E3-4346-8D3D-905652C77592}" type="datetimeFigureOut">
               <a:rPr lang="en-US" smtClean="0"/>
-              <a:t>3/8/2016</a:t>
+              <a:t>3/10/2016</a:t>
             </a:fld>
             <a:endParaRPr lang="en-US"/>
           </a:p>
@@ -2353,7 +2353,7 @@
           <a:p>
             <a:fld id="{00FF1D58-35E3-4346-8D3D-905652C77592}" type="datetimeFigureOut">
               <a:rPr lang="en-US" smtClean="0"/>
-              <a:t>3/8/2016</a:t>
+              <a:t>3/10/2016</a:t>
             </a:fld>
             <a:endParaRPr lang="en-US"/>
           </a:p>
@@ -2566,7 +2566,7 @@
           <a:p>
             <a:fld id="{00FF1D58-35E3-4346-8D3D-905652C77592}" type="datetimeFigureOut">
               <a:rPr lang="en-US" smtClean="0"/>
-              <a:t>3/8/2016</a:t>
+              <a:t>3/10/2016</a:t>
             </a:fld>
             <a:endParaRPr lang="en-US"/>
           </a:p>
@@ -3071,8 +3071,8 @@
         </p:nvSpPr>
         <p:spPr>
           <a:xfrm>
-            <a:off x="223405" y="7818358"/>
-            <a:ext cx="1320426" cy="406265"/>
+            <a:off x="155671" y="7818358"/>
+            <a:ext cx="1427763" cy="406265"/>
           </a:xfrm>
           <a:prstGeom prst="rect">
             <a:avLst/>
@@ -3086,8 +3086,12 @@
           <a:lstStyle/>
           <a:p>
             <a:r>
+              <a:rPr lang="en-US" sz="2040" dirty="0" smtClean="0"/>
+              <a:t>Good </a:t>
+            </a:r>
+            <a:r>
               <a:rPr lang="en-US" sz="2040" dirty="0"/>
-              <a:t>Well plant </a:t>
+              <a:t>plant </a:t>
             </a:r>
           </a:p>
         </p:txBody>
@@ -5454,7 +5458,7 @@
           <p:nvPr/>
         </p:nvGrpSpPr>
         <p:grpSpPr>
-          <a:xfrm>
+          <a:xfrm rot="1800000">
             <a:off x="8204025" y="4198309"/>
             <a:ext cx="290672" cy="754795"/>
             <a:chOff x="6728184" y="4709640"/>
@@ -5666,7 +5670,7 @@
           <p:nvPr/>
         </p:nvGrpSpPr>
         <p:grpSpPr>
-          <a:xfrm>
+          <a:xfrm rot="1800000">
             <a:off x="6581632" y="7397279"/>
             <a:ext cx="290672" cy="754795"/>
             <a:chOff x="6728184" y="4709640"/>

--- a/Seismic Drones/CASE-2016/pictures/exp11_compare.pptx
+++ b/Seismic Drones/CASE-2016/pictures/exp11_compare.pptx
@@ -2,12 +2,12 @@
 <file path=ppt/presentation.xml><?xml version="1.0" encoding="utf-8"?>
 <p:presentation xmlns:a="http://schemas.openxmlformats.org/drawingml/2006/main" xmlns:r="http://schemas.openxmlformats.org/officeDocument/2006/relationships" xmlns:p="http://schemas.openxmlformats.org/presentationml/2006/main" saveSubsetFonts="1">
   <p:sldMasterIdLst>
-    <p:sldMasterId id="2147483708" r:id="rId1"/>
+    <p:sldMasterId id="2147483720" r:id="rId1"/>
   </p:sldMasterIdLst>
   <p:sldIdLst>
     <p:sldId id="256" r:id="rId2"/>
   </p:sldIdLst>
-  <p:sldSz cx="8869363" cy="8229600"/>
+  <p:sldSz cx="8869363" cy="8412163"/>
   <p:notesSz cx="6858000" cy="9144000"/>
   <p:defaultTextStyle>
     <a:defPPr>
@@ -141,8 +141,8 @@
         </p:nvSpPr>
         <p:spPr>
           <a:xfrm>
-            <a:off x="665202" y="1346836"/>
-            <a:ext cx="7538959" cy="2865120"/>
+            <a:off x="665202" y="1376713"/>
+            <a:ext cx="7538959" cy="2928679"/>
           </a:xfrm>
         </p:spPr>
         <p:txBody>
@@ -173,8 +173,8 @@
         </p:nvSpPr>
         <p:spPr>
           <a:xfrm>
-            <a:off x="1108671" y="4322446"/>
-            <a:ext cx="6652022" cy="1986914"/>
+            <a:off x="1108671" y="4418333"/>
+            <a:ext cx="6652022" cy="2030992"/>
           </a:xfrm>
         </p:spPr>
         <p:txBody>
@@ -243,7 +243,7 @@
           <a:p>
             <a:fld id="{00FF1D58-35E3-4346-8D3D-905652C77592}" type="datetimeFigureOut">
               <a:rPr lang="en-US" smtClean="0"/>
-              <a:t>3/10/2016</a:t>
+              <a:t>3/21/2016</a:t>
             </a:fld>
             <a:endParaRPr lang="en-US"/>
           </a:p>
@@ -294,7 +294,7 @@
     </p:spTree>
     <p:extLst>
       <p:ext uri="{BB962C8B-B14F-4D97-AF65-F5344CB8AC3E}">
-        <p14:creationId xmlns:p14="http://schemas.microsoft.com/office/powerpoint/2010/main" val="2771776409"/>
+        <p14:creationId xmlns:p14="http://schemas.microsoft.com/office/powerpoint/2010/main" val="3874289618"/>
       </p:ext>
     </p:extLst>
   </p:cSld>
@@ -413,7 +413,7 @@
           <a:p>
             <a:fld id="{00FF1D58-35E3-4346-8D3D-905652C77592}" type="datetimeFigureOut">
               <a:rPr lang="en-US" smtClean="0"/>
-              <a:t>3/10/2016</a:t>
+              <a:t>3/21/2016</a:t>
             </a:fld>
             <a:endParaRPr lang="en-US"/>
           </a:p>
@@ -464,7 +464,7 @@
     </p:spTree>
     <p:extLst>
       <p:ext uri="{BB962C8B-B14F-4D97-AF65-F5344CB8AC3E}">
-        <p14:creationId xmlns:p14="http://schemas.microsoft.com/office/powerpoint/2010/main" val="1216808513"/>
+        <p14:creationId xmlns:p14="http://schemas.microsoft.com/office/powerpoint/2010/main" val="483649192"/>
       </p:ext>
     </p:extLst>
   </p:cSld>
@@ -503,8 +503,8 @@
         </p:nvSpPr>
         <p:spPr>
           <a:xfrm>
-            <a:off x="6347139" y="438150"/>
-            <a:ext cx="1912456" cy="6974206"/>
+            <a:off x="6347139" y="447870"/>
+            <a:ext cx="1912456" cy="7128919"/>
           </a:xfrm>
         </p:spPr>
         <p:txBody>
@@ -531,8 +531,8 @@
         </p:nvSpPr>
         <p:spPr>
           <a:xfrm>
-            <a:off x="609769" y="438150"/>
-            <a:ext cx="5626502" cy="6974206"/>
+            <a:off x="609769" y="447870"/>
+            <a:ext cx="5626502" cy="7128919"/>
           </a:xfrm>
         </p:spPr>
         <p:txBody>
@@ -593,7 +593,7 @@
           <a:p>
             <a:fld id="{00FF1D58-35E3-4346-8D3D-905652C77592}" type="datetimeFigureOut">
               <a:rPr lang="en-US" smtClean="0"/>
-              <a:t>3/10/2016</a:t>
+              <a:t>3/21/2016</a:t>
             </a:fld>
             <a:endParaRPr lang="en-US"/>
           </a:p>
@@ -644,7 +644,7 @@
     </p:spTree>
     <p:extLst>
       <p:ext uri="{BB962C8B-B14F-4D97-AF65-F5344CB8AC3E}">
-        <p14:creationId xmlns:p14="http://schemas.microsoft.com/office/powerpoint/2010/main" val="2858510242"/>
+        <p14:creationId xmlns:p14="http://schemas.microsoft.com/office/powerpoint/2010/main" val="729509057"/>
       </p:ext>
     </p:extLst>
   </p:cSld>
@@ -763,7 +763,7 @@
           <a:p>
             <a:fld id="{00FF1D58-35E3-4346-8D3D-905652C77592}" type="datetimeFigureOut">
               <a:rPr lang="en-US" smtClean="0"/>
-              <a:t>3/10/2016</a:t>
+              <a:t>3/21/2016</a:t>
             </a:fld>
             <a:endParaRPr lang="en-US"/>
           </a:p>
@@ -814,7 +814,7 @@
     </p:spTree>
     <p:extLst>
       <p:ext uri="{BB962C8B-B14F-4D97-AF65-F5344CB8AC3E}">
-        <p14:creationId xmlns:p14="http://schemas.microsoft.com/office/powerpoint/2010/main" val="1723611143"/>
+        <p14:creationId xmlns:p14="http://schemas.microsoft.com/office/powerpoint/2010/main" val="2080099377"/>
       </p:ext>
     </p:extLst>
   </p:cSld>
@@ -853,8 +853,8 @@
         </p:nvSpPr>
         <p:spPr>
           <a:xfrm>
-            <a:off x="605150" y="2051688"/>
-            <a:ext cx="7649826" cy="3423284"/>
+            <a:off x="605150" y="2097201"/>
+            <a:ext cx="7649826" cy="3499226"/>
           </a:xfrm>
         </p:spPr>
         <p:txBody>
@@ -885,8 +885,8 @@
         </p:nvSpPr>
         <p:spPr>
           <a:xfrm>
-            <a:off x="605150" y="5507358"/>
-            <a:ext cx="7649826" cy="1800224"/>
+            <a:off x="605150" y="5629531"/>
+            <a:ext cx="7649826" cy="1840160"/>
           </a:xfrm>
         </p:spPr>
         <p:txBody>
@@ -1007,7 +1007,7 @@
           <a:p>
             <a:fld id="{00FF1D58-35E3-4346-8D3D-905652C77592}" type="datetimeFigureOut">
               <a:rPr lang="en-US" smtClean="0"/>
-              <a:t>3/10/2016</a:t>
+              <a:t>3/21/2016</a:t>
             </a:fld>
             <a:endParaRPr lang="en-US"/>
           </a:p>
@@ -1058,7 +1058,7 @@
     </p:spTree>
     <p:extLst>
       <p:ext uri="{BB962C8B-B14F-4D97-AF65-F5344CB8AC3E}">
-        <p14:creationId xmlns:p14="http://schemas.microsoft.com/office/powerpoint/2010/main" val="2134231932"/>
+        <p14:creationId xmlns:p14="http://schemas.microsoft.com/office/powerpoint/2010/main" val="3195686078"/>
       </p:ext>
     </p:extLst>
   </p:cSld>
@@ -1120,8 +1120,8 @@
         </p:nvSpPr>
         <p:spPr>
           <a:xfrm>
-            <a:off x="609769" y="2190750"/>
-            <a:ext cx="3769479" cy="5221606"/>
+            <a:off x="609769" y="2239349"/>
+            <a:ext cx="3769479" cy="5337440"/>
           </a:xfrm>
         </p:spPr>
         <p:txBody>
@@ -1177,8 +1177,8 @@
         </p:nvSpPr>
         <p:spPr>
           <a:xfrm>
-            <a:off x="4490115" y="2190750"/>
-            <a:ext cx="3769479" cy="5221606"/>
+            <a:off x="4490115" y="2239349"/>
+            <a:ext cx="3769479" cy="5337440"/>
           </a:xfrm>
         </p:spPr>
         <p:txBody>
@@ -1239,7 +1239,7 @@
           <a:p>
             <a:fld id="{00FF1D58-35E3-4346-8D3D-905652C77592}" type="datetimeFigureOut">
               <a:rPr lang="en-US" smtClean="0"/>
-              <a:t>3/10/2016</a:t>
+              <a:t>3/21/2016</a:t>
             </a:fld>
             <a:endParaRPr lang="en-US"/>
           </a:p>
@@ -1290,7 +1290,7 @@
     </p:spTree>
     <p:extLst>
       <p:ext uri="{BB962C8B-B14F-4D97-AF65-F5344CB8AC3E}">
-        <p14:creationId xmlns:p14="http://schemas.microsoft.com/office/powerpoint/2010/main" val="1307861672"/>
+        <p14:creationId xmlns:p14="http://schemas.microsoft.com/office/powerpoint/2010/main" val="3563581685"/>
       </p:ext>
     </p:extLst>
   </p:cSld>
@@ -1329,8 +1329,8 @@
         </p:nvSpPr>
         <p:spPr>
           <a:xfrm>
-            <a:off x="610924" y="438152"/>
-            <a:ext cx="7649826" cy="1590676"/>
+            <a:off x="610924" y="447871"/>
+            <a:ext cx="7649826" cy="1625963"/>
           </a:xfrm>
         </p:spPr>
         <p:txBody>
@@ -1357,8 +1357,8 @@
         </p:nvSpPr>
         <p:spPr>
           <a:xfrm>
-            <a:off x="610925" y="2017396"/>
-            <a:ext cx="3752156" cy="988694"/>
+            <a:off x="610925" y="2062149"/>
+            <a:ext cx="3752156" cy="1010627"/>
           </a:xfrm>
         </p:spPr>
         <p:txBody>
@@ -1422,8 +1422,8 @@
         </p:nvSpPr>
         <p:spPr>
           <a:xfrm>
-            <a:off x="610925" y="3006090"/>
-            <a:ext cx="3752156" cy="4421506"/>
+            <a:off x="610925" y="3072776"/>
+            <a:ext cx="3752156" cy="4519591"/>
           </a:xfrm>
         </p:spPr>
         <p:txBody>
@@ -1479,8 +1479,8 @@
         </p:nvSpPr>
         <p:spPr>
           <a:xfrm>
-            <a:off x="4490115" y="2017396"/>
-            <a:ext cx="3770635" cy="988694"/>
+            <a:off x="4490115" y="2062149"/>
+            <a:ext cx="3770635" cy="1010627"/>
           </a:xfrm>
         </p:spPr>
         <p:txBody>
@@ -1544,8 +1544,8 @@
         </p:nvSpPr>
         <p:spPr>
           <a:xfrm>
-            <a:off x="4490115" y="3006090"/>
-            <a:ext cx="3770635" cy="4421506"/>
+            <a:off x="4490115" y="3072776"/>
+            <a:ext cx="3770635" cy="4519591"/>
           </a:xfrm>
         </p:spPr>
         <p:txBody>
@@ -1606,7 +1606,7 @@
           <a:p>
             <a:fld id="{00FF1D58-35E3-4346-8D3D-905652C77592}" type="datetimeFigureOut">
               <a:rPr lang="en-US" smtClean="0"/>
-              <a:t>3/10/2016</a:t>
+              <a:t>3/21/2016</a:t>
             </a:fld>
             <a:endParaRPr lang="en-US"/>
           </a:p>
@@ -1657,7 +1657,7 @@
     </p:spTree>
     <p:extLst>
       <p:ext uri="{BB962C8B-B14F-4D97-AF65-F5344CB8AC3E}">
-        <p14:creationId xmlns:p14="http://schemas.microsoft.com/office/powerpoint/2010/main" val="3276821249"/>
+        <p14:creationId xmlns:p14="http://schemas.microsoft.com/office/powerpoint/2010/main" val="2757976445"/>
       </p:ext>
     </p:extLst>
   </p:cSld>
@@ -1724,7 +1724,7 @@
           <a:p>
             <a:fld id="{00FF1D58-35E3-4346-8D3D-905652C77592}" type="datetimeFigureOut">
               <a:rPr lang="en-US" smtClean="0"/>
-              <a:t>3/10/2016</a:t>
+              <a:t>3/21/2016</a:t>
             </a:fld>
             <a:endParaRPr lang="en-US"/>
           </a:p>
@@ -1775,7 +1775,7 @@
     </p:spTree>
     <p:extLst>
       <p:ext uri="{BB962C8B-B14F-4D97-AF65-F5344CB8AC3E}">
-        <p14:creationId xmlns:p14="http://schemas.microsoft.com/office/powerpoint/2010/main" val="4276961055"/>
+        <p14:creationId xmlns:p14="http://schemas.microsoft.com/office/powerpoint/2010/main" val="3428405036"/>
       </p:ext>
     </p:extLst>
   </p:cSld>
@@ -1819,7 +1819,7 @@
           <a:p>
             <a:fld id="{00FF1D58-35E3-4346-8D3D-905652C77592}" type="datetimeFigureOut">
               <a:rPr lang="en-US" smtClean="0"/>
-              <a:t>3/10/2016</a:t>
+              <a:t>3/21/2016</a:t>
             </a:fld>
             <a:endParaRPr lang="en-US"/>
           </a:p>
@@ -1870,7 +1870,7 @@
     </p:spTree>
     <p:extLst>
       <p:ext uri="{BB962C8B-B14F-4D97-AF65-F5344CB8AC3E}">
-        <p14:creationId xmlns:p14="http://schemas.microsoft.com/office/powerpoint/2010/main" val="2534556249"/>
+        <p14:creationId xmlns:p14="http://schemas.microsoft.com/office/powerpoint/2010/main" val="184915176"/>
       </p:ext>
     </p:extLst>
   </p:cSld>
@@ -1909,8 +1909,8 @@
         </p:nvSpPr>
         <p:spPr>
           <a:xfrm>
-            <a:off x="610924" y="548640"/>
-            <a:ext cx="2860600" cy="1920240"/>
+            <a:off x="610924" y="560811"/>
+            <a:ext cx="2860600" cy="1962838"/>
           </a:xfrm>
         </p:spPr>
         <p:txBody>
@@ -1941,8 +1941,8 @@
         </p:nvSpPr>
         <p:spPr>
           <a:xfrm>
-            <a:off x="3770635" y="1184912"/>
-            <a:ext cx="4490115" cy="5848350"/>
+            <a:off x="3770635" y="1211198"/>
+            <a:ext cx="4490115" cy="5978088"/>
           </a:xfrm>
         </p:spPr>
         <p:txBody>
@@ -2026,8 +2026,8 @@
         </p:nvSpPr>
         <p:spPr>
           <a:xfrm>
-            <a:off x="610924" y="2468880"/>
-            <a:ext cx="2860600" cy="4573906"/>
+            <a:off x="610924" y="2523649"/>
+            <a:ext cx="2860600" cy="4675372"/>
           </a:xfrm>
         </p:spPr>
         <p:txBody>
@@ -2096,7 +2096,7 @@
           <a:p>
             <a:fld id="{00FF1D58-35E3-4346-8D3D-905652C77592}" type="datetimeFigureOut">
               <a:rPr lang="en-US" smtClean="0"/>
-              <a:t>3/10/2016</a:t>
+              <a:t>3/21/2016</a:t>
             </a:fld>
             <a:endParaRPr lang="en-US"/>
           </a:p>
@@ -2147,7 +2147,7 @@
     </p:spTree>
     <p:extLst>
       <p:ext uri="{BB962C8B-B14F-4D97-AF65-F5344CB8AC3E}">
-        <p14:creationId xmlns:p14="http://schemas.microsoft.com/office/powerpoint/2010/main" val="538529161"/>
+        <p14:creationId xmlns:p14="http://schemas.microsoft.com/office/powerpoint/2010/main" val="4281740926"/>
       </p:ext>
     </p:extLst>
   </p:cSld>
@@ -2186,8 +2186,8 @@
         </p:nvSpPr>
         <p:spPr>
           <a:xfrm>
-            <a:off x="610924" y="548640"/>
-            <a:ext cx="2860600" cy="1920240"/>
+            <a:off x="610924" y="560811"/>
+            <a:ext cx="2860600" cy="1962838"/>
           </a:xfrm>
         </p:spPr>
         <p:txBody>
@@ -2218,8 +2218,8 @@
         </p:nvSpPr>
         <p:spPr>
           <a:xfrm>
-            <a:off x="3770635" y="1184912"/>
-            <a:ext cx="4490115" cy="5848350"/>
+            <a:off x="3770635" y="1211198"/>
+            <a:ext cx="4490115" cy="5978088"/>
           </a:xfrm>
         </p:spPr>
         <p:txBody>
@@ -2283,8 +2283,8 @@
         </p:nvSpPr>
         <p:spPr>
           <a:xfrm>
-            <a:off x="610924" y="2468880"/>
-            <a:ext cx="2860600" cy="4573906"/>
+            <a:off x="610924" y="2523649"/>
+            <a:ext cx="2860600" cy="4675372"/>
           </a:xfrm>
         </p:spPr>
         <p:txBody>
@@ -2353,7 +2353,7 @@
           <a:p>
             <a:fld id="{00FF1D58-35E3-4346-8D3D-905652C77592}" type="datetimeFigureOut">
               <a:rPr lang="en-US" smtClean="0"/>
-              <a:t>3/10/2016</a:t>
+              <a:t>3/21/2016</a:t>
             </a:fld>
             <a:endParaRPr lang="en-US"/>
           </a:p>
@@ -2404,7 +2404,7 @@
     </p:spTree>
     <p:extLst>
       <p:ext uri="{BB962C8B-B14F-4D97-AF65-F5344CB8AC3E}">
-        <p14:creationId xmlns:p14="http://schemas.microsoft.com/office/powerpoint/2010/main" val="46079337"/>
+        <p14:creationId xmlns:p14="http://schemas.microsoft.com/office/powerpoint/2010/main" val="226652558"/>
       </p:ext>
     </p:extLst>
   </p:cSld>
@@ -2448,8 +2448,8 @@
         </p:nvSpPr>
         <p:spPr>
           <a:xfrm>
-            <a:off x="609769" y="438152"/>
-            <a:ext cx="7649826" cy="1590676"/>
+            <a:off x="609769" y="447871"/>
+            <a:ext cx="7649826" cy="1625963"/>
           </a:xfrm>
           <a:prstGeom prst="rect">
             <a:avLst/>
@@ -2481,8 +2481,8 @@
         </p:nvSpPr>
         <p:spPr>
           <a:xfrm>
-            <a:off x="609769" y="2190750"/>
-            <a:ext cx="7649826" cy="5221606"/>
+            <a:off x="609769" y="2239349"/>
+            <a:ext cx="7649826" cy="5337440"/>
           </a:xfrm>
           <a:prstGeom prst="rect">
             <a:avLst/>
@@ -2543,8 +2543,8 @@
         </p:nvSpPr>
         <p:spPr>
           <a:xfrm>
-            <a:off x="609769" y="7627622"/>
-            <a:ext cx="1995607" cy="438150"/>
+            <a:off x="609769" y="7796831"/>
+            <a:ext cx="1995607" cy="447870"/>
           </a:xfrm>
           <a:prstGeom prst="rect">
             <a:avLst/>
@@ -2566,7 +2566,7 @@
           <a:p>
             <a:fld id="{00FF1D58-35E3-4346-8D3D-905652C77592}" type="datetimeFigureOut">
               <a:rPr lang="en-US" smtClean="0"/>
-              <a:t>3/10/2016</a:t>
+              <a:t>3/21/2016</a:t>
             </a:fld>
             <a:endParaRPr lang="en-US"/>
           </a:p>
@@ -2584,8 +2584,8 @@
         </p:nvSpPr>
         <p:spPr>
           <a:xfrm>
-            <a:off x="2937977" y="7627622"/>
-            <a:ext cx="2993410" cy="438150"/>
+            <a:off x="2937977" y="7796831"/>
+            <a:ext cx="2993410" cy="447870"/>
           </a:xfrm>
           <a:prstGeom prst="rect">
             <a:avLst/>
@@ -2621,8 +2621,8 @@
         </p:nvSpPr>
         <p:spPr>
           <a:xfrm>
-            <a:off x="6263987" y="7627622"/>
-            <a:ext cx="1995607" cy="438150"/>
+            <a:off x="6263987" y="7796831"/>
+            <a:ext cx="1995607" cy="447870"/>
           </a:xfrm>
           <a:prstGeom prst="rect">
             <a:avLst/>
@@ -2653,23 +2653,23 @@
     </p:spTree>
     <p:extLst>
       <p:ext uri="{BB962C8B-B14F-4D97-AF65-F5344CB8AC3E}">
-        <p14:creationId xmlns:p14="http://schemas.microsoft.com/office/powerpoint/2010/main" val="2968229779"/>
+        <p14:creationId xmlns:p14="http://schemas.microsoft.com/office/powerpoint/2010/main" val="2622248371"/>
       </p:ext>
     </p:extLst>
   </p:cSld>
   <p:clrMap bg1="lt1" tx1="dk1" bg2="lt2" tx2="dk2" accent1="accent1" accent2="accent2" accent3="accent3" accent4="accent4" accent5="accent5" accent6="accent6" hlink="hlink" folHlink="folHlink"/>
   <p:sldLayoutIdLst>
-    <p:sldLayoutId id="2147483709" r:id="rId1"/>
-    <p:sldLayoutId id="2147483710" r:id="rId2"/>
-    <p:sldLayoutId id="2147483711" r:id="rId3"/>
-    <p:sldLayoutId id="2147483712" r:id="rId4"/>
-    <p:sldLayoutId id="2147483713" r:id="rId5"/>
-    <p:sldLayoutId id="2147483714" r:id="rId6"/>
-    <p:sldLayoutId id="2147483715" r:id="rId7"/>
-    <p:sldLayoutId id="2147483716" r:id="rId8"/>
-    <p:sldLayoutId id="2147483717" r:id="rId9"/>
-    <p:sldLayoutId id="2147483718" r:id="rId10"/>
-    <p:sldLayoutId id="2147483719" r:id="rId11"/>
+    <p:sldLayoutId id="2147483721" r:id="rId1"/>
+    <p:sldLayoutId id="2147483722" r:id="rId2"/>
+    <p:sldLayoutId id="2147483723" r:id="rId3"/>
+    <p:sldLayoutId id="2147483724" r:id="rId4"/>
+    <p:sldLayoutId id="2147483725" r:id="rId5"/>
+    <p:sldLayoutId id="2147483726" r:id="rId6"/>
+    <p:sldLayoutId id="2147483727" r:id="rId7"/>
+    <p:sldLayoutId id="2147483728" r:id="rId8"/>
+    <p:sldLayoutId id="2147483729" r:id="rId9"/>
+    <p:sldLayoutId id="2147483730" r:id="rId10"/>
+    <p:sldLayoutId id="2147483731" r:id="rId11"/>
   </p:sldLayoutIdLst>
   <p:txStyles>
     <p:titleStyle>
@@ -2979,7 +2979,7 @@
         </p:nvSpPr>
         <p:spPr>
           <a:xfrm>
-            <a:off x="7770193" y="1759920"/>
+            <a:off x="7770193" y="1599741"/>
             <a:ext cx="259080" cy="259080"/>
           </a:xfrm>
           <a:prstGeom prst="triangle">
@@ -3025,7 +3025,7 @@
         </p:nvSpPr>
         <p:spPr>
           <a:xfrm>
-            <a:off x="7838921" y="2191721"/>
+            <a:off x="7838921" y="2031542"/>
             <a:ext cx="259080" cy="241728"/>
           </a:xfrm>
           <a:prstGeom prst="plus">
@@ -3071,7 +3071,7 @@
         </p:nvSpPr>
         <p:spPr>
           <a:xfrm>
-            <a:off x="155671" y="7818358"/>
+            <a:off x="155672" y="7909640"/>
             <a:ext cx="1427763" cy="406265"/>
           </a:xfrm>
           <a:prstGeom prst="rect">
@@ -3086,7 +3086,7 @@
           <a:lstStyle/>
           <a:p>
             <a:r>
-              <a:rPr lang="en-US" sz="2040" dirty="0" smtClean="0"/>
+              <a:rPr lang="en-US" sz="2040" dirty="0"/>
               <a:t>Good </a:t>
             </a:r>
             <a:r>
@@ -3104,7 +3104,7 @@
         </p:nvSpPr>
         <p:spPr>
           <a:xfrm>
-            <a:off x="6826660" y="7812046"/>
+            <a:off x="6826660" y="7903328"/>
             <a:ext cx="2084930" cy="406265"/>
           </a:xfrm>
           <a:prstGeom prst="rect">
@@ -3133,7 +3133,7 @@
         </p:nvSpPr>
         <p:spPr>
           <a:xfrm>
-            <a:off x="1588987" y="7818358"/>
+            <a:off x="1588987" y="7909640"/>
             <a:ext cx="2066912" cy="406265"/>
           </a:xfrm>
           <a:prstGeom prst="rect">
@@ -3162,7 +3162,7 @@
         </p:nvSpPr>
         <p:spPr>
           <a:xfrm>
-            <a:off x="3756943" y="7814045"/>
+            <a:off x="3756943" y="7905327"/>
             <a:ext cx="1896938" cy="406265"/>
           </a:xfrm>
           <a:prstGeom prst="rect">
@@ -3191,7 +3191,7 @@
         </p:nvSpPr>
         <p:spPr>
           <a:xfrm>
-            <a:off x="5745768" y="7801303"/>
+            <a:off x="5745769" y="7892585"/>
             <a:ext cx="896977" cy="406265"/>
           </a:xfrm>
           <a:prstGeom prst="rect">
@@ -3220,7 +3220,7 @@
         </p:nvGrpSpPr>
         <p:grpSpPr>
           <a:xfrm>
-            <a:off x="243902" y="220382"/>
+            <a:off x="243902" y="60204"/>
             <a:ext cx="8107680" cy="7381413"/>
             <a:chOff x="188260" y="0"/>
             <a:chExt cx="7153835" cy="6513011"/>
@@ -3524,7 +3524,7 @@
         </p:nvSpPr>
         <p:spPr>
           <a:xfrm>
-            <a:off x="426779" y="220382"/>
+            <a:off x="426779" y="60204"/>
             <a:ext cx="477522" cy="406265"/>
           </a:xfrm>
           <a:prstGeom prst="rect">
@@ -3553,7 +3553,7 @@
         </p:nvSpPr>
         <p:spPr>
           <a:xfrm>
-            <a:off x="421698" y="3764785"/>
+            <a:off x="421698" y="3604607"/>
             <a:ext cx="477522" cy="406265"/>
           </a:xfrm>
           <a:prstGeom prst="rect">
@@ -3584,7 +3584,7 @@
         </p:nvSpPr>
         <p:spPr>
           <a:xfrm>
-            <a:off x="8132565" y="2826354"/>
+            <a:off x="8132565" y="2666175"/>
             <a:ext cx="427876" cy="427876"/>
           </a:xfrm>
           <a:prstGeom prst="donut">
@@ -3636,7 +3636,7 @@
         </p:nvGrpSpPr>
         <p:grpSpPr>
           <a:xfrm>
-            <a:off x="7966544" y="685774"/>
+            <a:off x="7966545" y="525596"/>
             <a:ext cx="753219" cy="539161"/>
             <a:chOff x="2504255" y="2959892"/>
             <a:chExt cx="2875742" cy="1960174"/>
@@ -4157,7 +4157,7 @@
         </p:nvGrpSpPr>
         <p:grpSpPr>
           <a:xfrm>
-            <a:off x="7927115" y="5120757"/>
+            <a:off x="7927116" y="4960579"/>
             <a:ext cx="753219" cy="539161"/>
             <a:chOff x="2504255" y="2959892"/>
             <a:chExt cx="2875742" cy="1960174"/>
@@ -4678,7 +4678,7 @@
         </p:nvSpPr>
         <p:spPr>
           <a:xfrm>
-            <a:off x="8240785" y="1759920"/>
+            <a:off x="8240786" y="1599742"/>
             <a:ext cx="228159" cy="552665"/>
           </a:xfrm>
           <a:prstGeom prst="rect">
@@ -4728,7 +4728,7 @@
         </p:nvSpPr>
         <p:spPr>
           <a:xfrm>
-            <a:off x="1420938" y="7520923"/>
+            <a:off x="2381318" y="7363760"/>
             <a:ext cx="228159" cy="552665"/>
           </a:xfrm>
           <a:prstGeom prst="rect">
@@ -4780,7 +4780,7 @@
         </p:nvSpPr>
         <p:spPr>
           <a:xfrm>
-            <a:off x="3465076" y="7588422"/>
+            <a:off x="4489119" y="7464709"/>
             <a:ext cx="427876" cy="427876"/>
           </a:xfrm>
           <a:prstGeom prst="donut">
@@ -4832,7 +4832,7 @@
         </p:nvGrpSpPr>
         <p:grpSpPr>
           <a:xfrm>
-            <a:off x="5334986" y="7503965"/>
+            <a:off x="5837795" y="7409066"/>
             <a:ext cx="753219" cy="539161"/>
             <a:chOff x="2504255" y="2959892"/>
             <a:chExt cx="2875742" cy="1960174"/>
@@ -5353,7 +5353,7 @@
         </p:nvGrpSpPr>
         <p:grpSpPr>
           <a:xfrm>
-            <a:off x="8197757" y="6105554"/>
+            <a:off x="8197757" y="5945376"/>
             <a:ext cx="290672" cy="754795"/>
             <a:chOff x="6728184" y="4709640"/>
             <a:chExt cx="294968" cy="1012723"/>
@@ -5459,7 +5459,7 @@
         </p:nvGrpSpPr>
         <p:grpSpPr>
           <a:xfrm rot="1800000">
-            <a:off x="8204025" y="4198309"/>
+            <a:off x="8204025" y="4038131"/>
             <a:ext cx="290672" cy="754795"/>
             <a:chOff x="6728184" y="4709640"/>
             <a:chExt cx="294968" cy="1012723"/>
@@ -5565,7 +5565,7 @@
         </p:nvGrpSpPr>
         <p:grpSpPr>
           <a:xfrm>
-            <a:off x="77362" y="7400781"/>
+            <a:off x="625754" y="7230888"/>
             <a:ext cx="290672" cy="754795"/>
             <a:chOff x="6728184" y="4709640"/>
             <a:chExt cx="294968" cy="1012723"/>
@@ -5671,7 +5671,7 @@
         </p:nvGrpSpPr>
         <p:grpSpPr>
           <a:xfrm rot="1800000">
-            <a:off x="6581632" y="7397279"/>
+            <a:off x="7634967" y="7259810"/>
             <a:ext cx="290672" cy="754795"/>
             <a:chOff x="6728184" y="4709640"/>
             <a:chExt cx="294968" cy="1012723"/>
